--- a/Presentationsmaterial/Dokument/1.3 Modeller, datainmatning och validering.pptx
+++ b/Presentationsmaterial/Dokument/1.3 Modeller, datainmatning och validering.pptx
@@ -5,7 +5,7 @@
     <p:sldMasterId id="2147483773" r:id="rId1"/>
   </p:sldMasterIdLst>
   <p:notesMasterIdLst>
-    <p:notesMasterId r:id="rId20"/>
+    <p:notesMasterId r:id="rId22"/>
   </p:notesMasterIdLst>
   <p:sldIdLst>
     <p:sldId id="256" r:id="rId2"/>
@@ -25,7 +25,9 @@
     <p:sldId id="269" r:id="rId16"/>
     <p:sldId id="270" r:id="rId17"/>
     <p:sldId id="271" r:id="rId18"/>
-    <p:sldId id="273" r:id="rId19"/>
+    <p:sldId id="275" r:id="rId19"/>
+    <p:sldId id="276" r:id="rId20"/>
+    <p:sldId id="273" r:id="rId21"/>
   </p:sldIdLst>
   <p:sldSz cx="9144000" cy="5715000" type="screen16x10"/>
   <p:notesSz cx="6858000" cy="9144000"/>
@@ -154,6 +156,22 @@
       </a:defRPr>
     </a:lvl9pPr>
   </p:defaultTextStyle>
+  <p:extLst>
+    <p:ext uri="{EFAFB233-063F-42B5-8137-9DF3F51BA10A}">
+      <p15:sldGuideLst xmlns:p15="http://schemas.microsoft.com/office/powerpoint/2012/main">
+        <p15:guide id="1" orient="horz">
+          <p15:clr>
+            <a:srgbClr val="A4A3A4"/>
+          </p15:clr>
+        </p15:guide>
+        <p15:guide id="2">
+          <p15:clr>
+            <a:srgbClr val="A4A3A4"/>
+          </p15:clr>
+        </p15:guide>
+      </p15:sldGuideLst>
+    </p:ext>
+  </p:extLst>
 </p:presentation>
 </file>
 
@@ -240,7 +258,7 @@
             <a:fld id="{0B3BAAB0-D539-4A20-AE97-450346457396}" type="datetimeFigureOut">
               <a:rPr lang="sv-SE" smtClean="0"/>
               <a:pPr/>
-              <a:t>2013-11-16</a:t>
+              <a:t>2014-11-10</a:t>
             </a:fld>
             <a:endParaRPr lang="sv-SE"/>
           </a:p>
@@ -3063,91 +3081,6 @@
               <a:rPr lang="sv-SE" dirty="0" smtClean="0"/>
               <a:t>Nivå fem</a:t>
             </a:r>
-          </a:p>
-        </p:txBody>
-      </p:sp>
-      <p:sp>
-        <p:nvSpPr>
-          <p:cNvPr id="243716" name="Rectangle 4"/>
-          <p:cNvSpPr>
-            <a:spLocks noChangeArrowheads="1"/>
-          </p:cNvSpPr>
-          <p:nvPr/>
-        </p:nvSpPr>
-        <p:spPr bwMode="auto">
-          <a:xfrm>
-            <a:off x="7619560" y="5512764"/>
-            <a:ext cx="1524440" cy="202236"/>
-          </a:xfrm>
-          <a:prstGeom prst="rect">
-            <a:avLst/>
-          </a:prstGeom>
-          <a:noFill/>
-          <a:ln w="9525">
-            <a:noFill/>
-            <a:miter lim="800000"/>
-            <a:headEnd/>
-            <a:tailEnd/>
-          </a:ln>
-          <a:effectLst/>
-        </p:spPr>
-        <p:txBody>
-          <a:bodyPr wrap="square" tIns="46800" rIns="90000" bIns="46800" anchor="b">
-            <a:spAutoFit/>
-          </a:bodyPr>
-          <a:lstStyle/>
-          <a:p>
-            <a:pPr algn="r" eaLnBrk="0" hangingPunct="0">
-              <a:defRPr/>
-            </a:pPr>
-            <a:fld id="{379C2104-876B-42DE-A891-A8777FA058E8}" type="slidenum">
-              <a:rPr lang="en-US" sz="700">
-                <a:solidFill>
-                  <a:schemeClr val="bg1">
-                    <a:lumMod val="75000"/>
-                  </a:schemeClr>
-                </a:solidFill>
-                <a:latin typeface="Times New Roman" pitchFamily="18" charset="0"/>
-                <a:cs typeface="Times New Roman" pitchFamily="18" charset="0"/>
-              </a:rPr>
-              <a:pPr algn="r" eaLnBrk="0" hangingPunct="0">
-                <a:defRPr/>
-              </a:pPr>
-              <a:t>‹#›</a:t>
-            </a:fld>
-            <a:r>
-              <a:rPr lang="en-US" sz="700" dirty="0">
-                <a:solidFill>
-                  <a:schemeClr val="bg1">
-                    <a:lumMod val="75000"/>
-                  </a:schemeClr>
-                </a:solidFill>
-                <a:latin typeface="Times New Roman" pitchFamily="18" charset="0"/>
-                <a:cs typeface="Times New Roman" pitchFamily="18" charset="0"/>
-              </a:rPr>
-              <a:t> </a:t>
-            </a:r>
-            <a:r>
-              <a:rPr lang="en-US" sz="700" dirty="0" smtClean="0">
-                <a:solidFill>
-                  <a:schemeClr val="bg1">
-                    <a:lumMod val="75000"/>
-                  </a:schemeClr>
-                </a:solidFill>
-                <a:latin typeface="Times New Roman" pitchFamily="18" charset="0"/>
-                <a:cs typeface="Times New Roman" pitchFamily="18" charset="0"/>
-              </a:rPr>
-              <a:t>(18)</a:t>
-            </a:r>
-            <a:endParaRPr lang="en-US" sz="700" dirty="0">
-              <a:solidFill>
-                <a:schemeClr val="bg1">
-                  <a:lumMod val="75000"/>
-                </a:schemeClr>
-              </a:solidFill>
-              <a:latin typeface="Times New Roman" pitchFamily="18" charset="0"/>
-              <a:cs typeface="Times New Roman" pitchFamily="18" charset="0"/>
-            </a:endParaRPr>
           </a:p>
         </p:txBody>
       </p:sp>
@@ -7478,7 +7411,7 @@
             </a:r>
             <a:r>
               <a:rPr lang="sv-SE" dirty="0" smtClean="0"/>
-              <a:t>. ASP.NET MVC känns vid sex attribut som kan användas av modellklassen, och det går att skapa egna.</a:t>
+              <a:t>. ASP.NET MVC känns vid flera attribut som kan användas av modellklassen, och det går att skapa egna.</a:t>
             </a:r>
           </a:p>
           <a:p>
@@ -7553,26 +7486,13 @@
               <a:t> , </a:t>
             </a:r>
             <a:r>
-              <a:rPr lang="sv-SE" sz="1200" dirty="0" smtClean="0">
-                <a:latin typeface="Courier New" pitchFamily="49" charset="0"/>
-                <a:cs typeface="Courier New" pitchFamily="49" charset="0"/>
-              </a:rPr>
-              <a:t>[</a:t>
-            </a:r>
-            <a:r>
-              <a:rPr lang="sv-SE" sz="1200" dirty="0" err="1" smtClean="0">
-                <a:latin typeface="Courier New" pitchFamily="49" charset="0"/>
-                <a:cs typeface="Courier New" pitchFamily="49" charset="0"/>
-              </a:rPr>
-              <a:t>Url</a:t>
-            </a:r>
-            <a:r>
-              <a:rPr lang="sv-SE" sz="1200" dirty="0" smtClean="0">
-                <a:latin typeface="Courier New" pitchFamily="49" charset="0"/>
-                <a:cs typeface="Courier New" pitchFamily="49" charset="0"/>
-              </a:rPr>
-              <a:t>]</a:t>
-            </a:r>
+              <a:rPr lang="sv-SE" sz="1200" dirty="0" smtClean="0"/>
+              <a:t> …</a:t>
+            </a:r>
+            <a:endParaRPr lang="sv-SE" sz="1200" dirty="0" smtClean="0">
+              <a:latin typeface="Courier New" pitchFamily="49" charset="0"/>
+              <a:cs typeface="Courier New" pitchFamily="49" charset="0"/>
+            </a:endParaRPr>
           </a:p>
           <a:p>
             <a:r>
@@ -7780,29 +7700,22 @@
       </p:grpSpPr>
       <p:pic>
         <p:nvPicPr>
-          <p:cNvPr id="6146" name="Picture 2"/>
+          <p:cNvPr id="4" name="Bildobjekt 3"/>
           <p:cNvPicPr>
-            <a:picLocks noChangeAspect="1" noChangeArrowheads="1"/>
+            <a:picLocks noChangeAspect="1"/>
           </p:cNvPicPr>
           <p:nvPr/>
         </p:nvPicPr>
         <p:blipFill>
-          <a:blip r:embed="rId2">
-            <a:extLst>
-              <a:ext uri="{28A0092B-C50C-407E-A947-70E740481C1C}">
-                <a14:useLocalDpi xmlns:a14="http://schemas.microsoft.com/office/drawing/2010/main" val="0"/>
-              </a:ext>
-            </a:extLst>
-          </a:blip>
-          <a:srcRect/>
+          <a:blip r:embed="rId2"/>
           <a:stretch>
             <a:fillRect/>
           </a:stretch>
         </p:blipFill>
-        <p:spPr bwMode="auto">
+        <p:spPr>
           <a:xfrm>
-            <a:off x="524534" y="1610005"/>
-            <a:ext cx="6665913" cy="3743325"/>
+            <a:off x="515069" y="1714514"/>
+            <a:ext cx="4390476" cy="3428571"/>
           </a:xfrm>
           <a:prstGeom prst="rect">
             <a:avLst/>
@@ -7839,7 +7752,6 @@
               <a:srgbClr val="969696"/>
             </a:contourClr>
           </a:sp3d>
-          <a:extLst/>
         </p:spPr>
       </p:pic>
       <p:pic>
@@ -8160,14 +8072,14 @@
       </p:sp>
       <p:sp>
         <p:nvSpPr>
-          <p:cNvPr id="6" name="Ellips 5"/>
+          <p:cNvPr id="8" name="Ellips 7"/>
           <p:cNvSpPr/>
           <p:nvPr/>
         </p:nvSpPr>
         <p:spPr bwMode="auto">
           <a:xfrm rot="-360000">
-            <a:off x="665167" y="2025664"/>
-            <a:ext cx="6406412" cy="276625"/>
+            <a:off x="1176977" y="3790393"/>
+            <a:ext cx="3673983" cy="276625"/>
           </a:xfrm>
           <a:prstGeom prst="ellipse">
             <a:avLst/>
@@ -8240,31 +8152,188 @@
           </a:p>
         </p:txBody>
       </p:sp>
+      <p:sp>
+        <p:nvSpPr>
+          <p:cNvPr id="6" name="Ellips 5"/>
+          <p:cNvSpPr/>
+          <p:nvPr/>
+        </p:nvSpPr>
+        <p:spPr bwMode="auto">
+          <a:xfrm rot="-360000">
+            <a:off x="676686" y="2400009"/>
+            <a:ext cx="2200807" cy="276625"/>
+          </a:xfrm>
+          <a:prstGeom prst="ellipse">
+            <a:avLst/>
+          </a:prstGeom>
+          <a:solidFill>
+            <a:srgbClr val="FFF500">
+              <a:alpha val="20000"/>
+            </a:srgbClr>
+          </a:solidFill>
+          <a:ln>
+            <a:noFill/>
+            <a:headEnd type="none" w="med" len="med"/>
+            <a:tailEnd type="none" w="med" len="med"/>
+          </a:ln>
+          <a:scene3d>
+            <a:camera prst="orthographicFront">
+              <a:rot lat="0" lon="0" rev="0"/>
+            </a:camera>
+            <a:lightRig rig="threePt" dir="t"/>
+          </a:scene3d>
+        </p:spPr>
+        <p:style>
+          <a:lnRef idx="2">
+            <a:schemeClr val="accent6"/>
+          </a:lnRef>
+          <a:fillRef idx="1">
+            <a:schemeClr val="lt1"/>
+          </a:fillRef>
+          <a:effectRef idx="0">
+            <a:schemeClr val="accent6"/>
+          </a:effectRef>
+          <a:fontRef idx="minor">
+            <a:schemeClr val="dk1"/>
+          </a:fontRef>
+        </p:style>
+        <p:txBody>
+          <a:bodyPr vert="horz" wrap="square" lIns="90488" tIns="44450" rIns="90488" bIns="44450" numCol="1" rtlCol="0" anchor="t" anchorCtr="0" compatLnSpc="1">
+            <a:prstTxWarp prst="textNoShape">
+              <a:avLst/>
+            </a:prstTxWarp>
+          </a:bodyPr>
+          <a:lstStyle/>
+          <a:p>
+            <a:pPr marL="0" marR="0" indent="0" algn="l" defTabSz="914400" rtl="0" eaLnBrk="1" fontAlgn="base" latinLnBrk="0" hangingPunct="1">
+              <a:lnSpc>
+                <a:spcPct val="100000"/>
+              </a:lnSpc>
+              <a:spcBef>
+                <a:spcPct val="0"/>
+              </a:spcBef>
+              <a:spcAft>
+                <a:spcPct val="0"/>
+              </a:spcAft>
+              <a:buClrTx/>
+              <a:buSzTx/>
+              <a:buFontTx/>
+              <a:buNone/>
+              <a:tabLst/>
+            </a:pPr>
+            <a:endParaRPr kumimoji="0" lang="sv-SE" sz="1800" b="0" i="0" u="none" strike="noStrike" cap="none" normalizeH="0" baseline="0" smtClean="0">
+              <a:ln>
+                <a:noFill/>
+              </a:ln>
+              <a:solidFill>
+                <a:schemeClr val="tx1"/>
+              </a:solidFill>
+              <a:effectLst/>
+              <a:latin typeface="Arial" charset="0"/>
+            </a:endParaRPr>
+          </a:p>
+        </p:txBody>
+      </p:sp>
+      <p:sp>
+        <p:nvSpPr>
+          <p:cNvPr id="7" name="Ellips 6"/>
+          <p:cNvSpPr/>
+          <p:nvPr/>
+        </p:nvSpPr>
+        <p:spPr bwMode="auto">
+          <a:xfrm rot="-360000">
+            <a:off x="873316" y="2931804"/>
+            <a:ext cx="3673983" cy="276625"/>
+          </a:xfrm>
+          <a:prstGeom prst="ellipse">
+            <a:avLst/>
+          </a:prstGeom>
+          <a:solidFill>
+            <a:srgbClr val="FFF500">
+              <a:alpha val="20000"/>
+            </a:srgbClr>
+          </a:solidFill>
+          <a:ln>
+            <a:noFill/>
+            <a:headEnd type="none" w="med" len="med"/>
+            <a:tailEnd type="none" w="med" len="med"/>
+          </a:ln>
+          <a:scene3d>
+            <a:camera prst="orthographicFront">
+              <a:rot lat="0" lon="0" rev="0"/>
+            </a:camera>
+            <a:lightRig rig="threePt" dir="t"/>
+          </a:scene3d>
+        </p:spPr>
+        <p:style>
+          <a:lnRef idx="2">
+            <a:schemeClr val="accent6"/>
+          </a:lnRef>
+          <a:fillRef idx="1">
+            <a:schemeClr val="lt1"/>
+          </a:fillRef>
+          <a:effectRef idx="0">
+            <a:schemeClr val="accent6"/>
+          </a:effectRef>
+          <a:fontRef idx="minor">
+            <a:schemeClr val="dk1"/>
+          </a:fontRef>
+        </p:style>
+        <p:txBody>
+          <a:bodyPr vert="horz" wrap="square" lIns="90488" tIns="44450" rIns="90488" bIns="44450" numCol="1" rtlCol="0" anchor="t" anchorCtr="0" compatLnSpc="1">
+            <a:prstTxWarp prst="textNoShape">
+              <a:avLst/>
+            </a:prstTxWarp>
+          </a:bodyPr>
+          <a:lstStyle/>
+          <a:p>
+            <a:pPr marL="0" marR="0" indent="0" algn="l" defTabSz="914400" rtl="0" eaLnBrk="1" fontAlgn="base" latinLnBrk="0" hangingPunct="1">
+              <a:lnSpc>
+                <a:spcPct val="100000"/>
+              </a:lnSpc>
+              <a:spcBef>
+                <a:spcPct val="0"/>
+              </a:spcBef>
+              <a:spcAft>
+                <a:spcPct val="0"/>
+              </a:spcAft>
+              <a:buClrTx/>
+              <a:buSzTx/>
+              <a:buFontTx/>
+              <a:buNone/>
+              <a:tabLst/>
+            </a:pPr>
+            <a:endParaRPr kumimoji="0" lang="sv-SE" sz="1800" b="0" i="0" u="none" strike="noStrike" cap="none" normalizeH="0" baseline="0" smtClean="0">
+              <a:ln>
+                <a:noFill/>
+              </a:ln>
+              <a:solidFill>
+                <a:schemeClr val="tx1"/>
+              </a:solidFill>
+              <a:effectLst/>
+              <a:latin typeface="Arial" charset="0"/>
+            </a:endParaRPr>
+          </a:p>
+        </p:txBody>
+      </p:sp>
       <p:pic>
         <p:nvPicPr>
-          <p:cNvPr id="6147" name="Picture 3"/>
+          <p:cNvPr id="13" name="Bildobjekt 12"/>
           <p:cNvPicPr>
-            <a:picLocks noChangeAspect="1" noChangeArrowheads="1"/>
+            <a:picLocks noChangeAspect="1"/>
           </p:cNvPicPr>
           <p:nvPr/>
         </p:nvPicPr>
         <p:blipFill>
-          <a:blip r:embed="rId4">
-            <a:extLst>
-              <a:ext uri="{28A0092B-C50C-407E-A947-70E740481C1C}">
-                <a14:useLocalDpi xmlns:a14="http://schemas.microsoft.com/office/drawing/2010/main" val="0"/>
-              </a:ext>
-            </a:extLst>
-          </a:blip>
-          <a:srcRect/>
+          <a:blip r:embed="rId4"/>
           <a:stretch>
             <a:fillRect/>
           </a:stretch>
         </p:blipFill>
-        <p:spPr bwMode="auto">
+        <p:spPr>
           <a:xfrm rot="660000">
-            <a:off x="4732230" y="2583894"/>
-            <a:ext cx="3905250" cy="2524125"/>
+            <a:off x="4862051" y="3028361"/>
+            <a:ext cx="4076190" cy="2133333"/>
           </a:xfrm>
           <a:prstGeom prst="rect">
             <a:avLst/>
@@ -8301,173 +8370,8 @@
               <a:srgbClr val="969696"/>
             </a:contourClr>
           </a:sp3d>
-          <a:extLst/>
         </p:spPr>
       </p:pic>
-      <p:sp>
-        <p:nvSpPr>
-          <p:cNvPr id="7" name="Ellips 6"/>
-          <p:cNvSpPr/>
-          <p:nvPr/>
-        </p:nvSpPr>
-        <p:spPr bwMode="auto">
-          <a:xfrm rot="-360000">
-            <a:off x="873316" y="3092785"/>
-            <a:ext cx="3673983" cy="276625"/>
-          </a:xfrm>
-          <a:prstGeom prst="ellipse">
-            <a:avLst/>
-          </a:prstGeom>
-          <a:solidFill>
-            <a:srgbClr val="FFF500">
-              <a:alpha val="20000"/>
-            </a:srgbClr>
-          </a:solidFill>
-          <a:ln>
-            <a:noFill/>
-            <a:headEnd type="none" w="med" len="med"/>
-            <a:tailEnd type="none" w="med" len="med"/>
-          </a:ln>
-          <a:scene3d>
-            <a:camera prst="orthographicFront">
-              <a:rot lat="0" lon="0" rev="0"/>
-            </a:camera>
-            <a:lightRig rig="threePt" dir="t"/>
-          </a:scene3d>
-        </p:spPr>
-        <p:style>
-          <a:lnRef idx="2">
-            <a:schemeClr val="accent6"/>
-          </a:lnRef>
-          <a:fillRef idx="1">
-            <a:schemeClr val="lt1"/>
-          </a:fillRef>
-          <a:effectRef idx="0">
-            <a:schemeClr val="accent6"/>
-          </a:effectRef>
-          <a:fontRef idx="minor">
-            <a:schemeClr val="dk1"/>
-          </a:fontRef>
-        </p:style>
-        <p:txBody>
-          <a:bodyPr vert="horz" wrap="square" lIns="90488" tIns="44450" rIns="90488" bIns="44450" numCol="1" rtlCol="0" anchor="t" anchorCtr="0" compatLnSpc="1">
-            <a:prstTxWarp prst="textNoShape">
-              <a:avLst/>
-            </a:prstTxWarp>
-          </a:bodyPr>
-          <a:lstStyle/>
-          <a:p>
-            <a:pPr marL="0" marR="0" indent="0" algn="l" defTabSz="914400" rtl="0" eaLnBrk="1" fontAlgn="base" latinLnBrk="0" hangingPunct="1">
-              <a:lnSpc>
-                <a:spcPct val="100000"/>
-              </a:lnSpc>
-              <a:spcBef>
-                <a:spcPct val="0"/>
-              </a:spcBef>
-              <a:spcAft>
-                <a:spcPct val="0"/>
-              </a:spcAft>
-              <a:buClrTx/>
-              <a:buSzTx/>
-              <a:buFontTx/>
-              <a:buNone/>
-              <a:tabLst/>
-            </a:pPr>
-            <a:endParaRPr kumimoji="0" lang="sv-SE" sz="1800" b="0" i="0" u="none" strike="noStrike" cap="none" normalizeH="0" baseline="0" smtClean="0">
-              <a:ln>
-                <a:noFill/>
-              </a:ln>
-              <a:solidFill>
-                <a:schemeClr val="tx1"/>
-              </a:solidFill>
-              <a:effectLst/>
-              <a:latin typeface="Arial" charset="0"/>
-            </a:endParaRPr>
-          </a:p>
-        </p:txBody>
-      </p:sp>
-      <p:sp>
-        <p:nvSpPr>
-          <p:cNvPr id="8" name="Ellips 7"/>
-          <p:cNvSpPr/>
-          <p:nvPr/>
-        </p:nvSpPr>
-        <p:spPr bwMode="auto">
-          <a:xfrm rot="-360000">
-            <a:off x="1176977" y="4279793"/>
-            <a:ext cx="3673983" cy="276625"/>
-          </a:xfrm>
-          <a:prstGeom prst="ellipse">
-            <a:avLst/>
-          </a:prstGeom>
-          <a:solidFill>
-            <a:srgbClr val="FFF500">
-              <a:alpha val="20000"/>
-            </a:srgbClr>
-          </a:solidFill>
-          <a:ln>
-            <a:noFill/>
-            <a:headEnd type="none" w="med" len="med"/>
-            <a:tailEnd type="none" w="med" len="med"/>
-          </a:ln>
-          <a:scene3d>
-            <a:camera prst="orthographicFront">
-              <a:rot lat="0" lon="0" rev="0"/>
-            </a:camera>
-            <a:lightRig rig="threePt" dir="t"/>
-          </a:scene3d>
-        </p:spPr>
-        <p:style>
-          <a:lnRef idx="2">
-            <a:schemeClr val="accent6"/>
-          </a:lnRef>
-          <a:fillRef idx="1">
-            <a:schemeClr val="lt1"/>
-          </a:fillRef>
-          <a:effectRef idx="0">
-            <a:schemeClr val="accent6"/>
-          </a:effectRef>
-          <a:fontRef idx="minor">
-            <a:schemeClr val="dk1"/>
-          </a:fontRef>
-        </p:style>
-        <p:txBody>
-          <a:bodyPr vert="horz" wrap="square" lIns="90488" tIns="44450" rIns="90488" bIns="44450" numCol="1" rtlCol="0" anchor="t" anchorCtr="0" compatLnSpc="1">
-            <a:prstTxWarp prst="textNoShape">
-              <a:avLst/>
-            </a:prstTxWarp>
-          </a:bodyPr>
-          <a:lstStyle/>
-          <a:p>
-            <a:pPr marL="0" marR="0" indent="0" algn="l" defTabSz="914400" rtl="0" eaLnBrk="1" fontAlgn="base" latinLnBrk="0" hangingPunct="1">
-              <a:lnSpc>
-                <a:spcPct val="100000"/>
-              </a:lnSpc>
-              <a:spcBef>
-                <a:spcPct val="0"/>
-              </a:spcBef>
-              <a:spcAft>
-                <a:spcPct val="0"/>
-              </a:spcAft>
-              <a:buClrTx/>
-              <a:buSzTx/>
-              <a:buFontTx/>
-              <a:buNone/>
-              <a:tabLst/>
-            </a:pPr>
-            <a:endParaRPr kumimoji="0" lang="sv-SE" sz="1800" b="0" i="0" u="none" strike="noStrike" cap="none" normalizeH="0" baseline="0" smtClean="0">
-              <a:ln>
-                <a:noFill/>
-              </a:ln>
-              <a:solidFill>
-                <a:schemeClr val="tx1"/>
-              </a:solidFill>
-              <a:effectLst/>
-              <a:latin typeface="Arial" charset="0"/>
-            </a:endParaRPr>
-          </a:p>
-        </p:txBody>
-      </p:sp>
       <p:cxnSp>
         <p:nvCxnSpPr>
           <p:cNvPr id="12" name="Figur 13"/>
@@ -8479,12 +8383,12 @@
         </p:nvCxnSpPr>
         <p:spPr bwMode="auto">
           <a:xfrm rot="16200000" flipH="1">
-            <a:off x="5125807" y="2458279"/>
-            <a:ext cx="77944" cy="4272705"/>
+            <a:off x="4881107" y="2213579"/>
+            <a:ext cx="567344" cy="4272705"/>
           </a:xfrm>
           <a:prstGeom prst="curvedConnector3">
             <a:avLst>
-              <a:gd name="adj1" fmla="val 393287"/>
+              <a:gd name="adj1" fmla="val 140293"/>
             </a:avLst>
           </a:prstGeom>
           <a:ln>
@@ -8518,47 +8422,8 @@
         </p:nvCxnSpPr>
         <p:spPr bwMode="auto">
           <a:xfrm rot="16200000" flipH="1">
-            <a:off x="4686445" y="1406973"/>
-            <a:ext cx="561568" cy="4484926"/>
-          </a:xfrm>
-          <a:prstGeom prst="curvedConnector3">
-            <a:avLst>
-              <a:gd name="adj1" fmla="val 50000"/>
-            </a:avLst>
-          </a:prstGeom>
-          <a:ln>
-            <a:headEnd type="none" w="med" len="med"/>
-            <a:tailEnd type="triangle" w="med" len="lg"/>
-          </a:ln>
-        </p:spPr>
-        <p:style>
-          <a:lnRef idx="1">
-            <a:schemeClr val="accent6"/>
-          </a:lnRef>
-          <a:fillRef idx="0">
-            <a:schemeClr val="accent6"/>
-          </a:fillRef>
-          <a:effectRef idx="0">
-            <a:schemeClr val="accent6"/>
-          </a:effectRef>
-          <a:fontRef idx="minor">
-            <a:schemeClr val="tx1"/>
-          </a:fontRef>
-        </p:style>
-      </p:cxnSp>
-      <p:cxnSp>
-        <p:nvCxnSpPr>
-          <p:cNvPr id="20" name="Figur 13"/>
-          <p:cNvCxnSpPr>
-            <a:stCxn id="6" idx="4"/>
-            <a:endCxn id="11" idx="0"/>
-          </p:cNvCxnSpPr>
-          <p:nvPr/>
-        </p:nvCxnSpPr>
-        <p:spPr bwMode="auto">
-          <a:xfrm rot="16200000" flipH="1">
-            <a:off x="4774120" y="1410242"/>
-            <a:ext cx="1129286" cy="2911864"/>
+            <a:off x="4605955" y="1326482"/>
+            <a:ext cx="722549" cy="4484926"/>
           </a:xfrm>
           <a:prstGeom prst="curvedConnector3">
             <a:avLst>
@@ -8774,29 +8639,22 @@
       </p:pic>
       <p:pic>
         <p:nvPicPr>
-          <p:cNvPr id="1027" name="Picture 3"/>
+          <p:cNvPr id="5" name="Bildobjekt 4"/>
           <p:cNvPicPr>
-            <a:picLocks noChangeAspect="1" noChangeArrowheads="1"/>
+            <a:picLocks noChangeAspect="1"/>
           </p:cNvPicPr>
           <p:nvPr/>
         </p:nvPicPr>
         <p:blipFill>
-          <a:blip r:embed="rId3">
-            <a:extLst>
-              <a:ext uri="{28A0092B-C50C-407E-A947-70E740481C1C}">
-                <a14:useLocalDpi xmlns:a14="http://schemas.microsoft.com/office/drawing/2010/main" val="0"/>
-              </a:ext>
-            </a:extLst>
-          </a:blip>
-          <a:srcRect/>
+          <a:blip r:embed="rId3"/>
           <a:stretch>
             <a:fillRect/>
           </a:stretch>
         </p:blipFill>
-        <p:spPr bwMode="auto">
+        <p:spPr>
           <a:xfrm rot="21180000">
-            <a:off x="535212" y="1014674"/>
-            <a:ext cx="6665913" cy="4171950"/>
+            <a:off x="432817" y="1545504"/>
+            <a:ext cx="4390476" cy="3761905"/>
           </a:xfrm>
           <a:prstGeom prst="rect">
             <a:avLst/>
@@ -8833,150 +8691,26 @@
               <a:srgbClr val="FFFFFF"/>
             </a:contourClr>
           </a:sp3d>
-          <a:extLst/>
         </p:spPr>
       </p:pic>
-      <p:sp>
-        <p:nvSpPr>
-          <p:cNvPr id="2" name="Rubrik 1"/>
-          <p:cNvSpPr>
-            <a:spLocks noGrp="1"/>
-          </p:cNvSpPr>
-          <p:nvPr>
-            <p:ph type="title"/>
-          </p:nvPr>
-        </p:nvSpPr>
-        <p:spPr/>
-        <p:txBody>
-          <a:bodyPr/>
-          <a:lstStyle/>
-          <a:p>
-            <a:r>
-              <a:rPr lang="sv-SE" dirty="0" smtClean="0"/>
-              <a:t>Validering på klienten</a:t>
-            </a:r>
-            <a:endParaRPr lang="sv-SE" dirty="0"/>
-          </a:p>
-        </p:txBody>
-      </p:sp>
-      <p:sp>
-        <p:nvSpPr>
-          <p:cNvPr id="3" name="Platshållare för innehåll 2"/>
-          <p:cNvSpPr>
-            <a:spLocks noGrp="1"/>
-          </p:cNvSpPr>
-          <p:nvPr>
-            <p:ph idx="1"/>
-          </p:nvPr>
-        </p:nvSpPr>
-        <p:spPr/>
-        <p:txBody>
-          <a:bodyPr/>
-          <a:lstStyle/>
-          <a:p>
-            <a:r>
-              <a:rPr lang="sv-SE" dirty="0" smtClean="0"/>
-              <a:t>ASP.NET MVC 4 använder sig av </a:t>
-            </a:r>
-            <a:r>
-              <a:rPr lang="sv-SE" i="1" dirty="0" smtClean="0"/>
-              <a:t>data annotation</a:t>
-            </a:r>
-            <a:r>
-              <a:rPr lang="sv-SE" dirty="0" smtClean="0"/>
-              <a:t> ihop med jQuery och jQuery </a:t>
-            </a:r>
-            <a:r>
-              <a:rPr lang="sv-SE" dirty="0" err="1" smtClean="0"/>
-              <a:t>Validation</a:t>
-            </a:r>
-            <a:r>
-              <a:rPr lang="sv-SE" dirty="0"/>
-              <a:t> </a:t>
-            </a:r>
-            <a:r>
-              <a:rPr lang="sv-SE" dirty="0" smtClean="0"/>
-              <a:t>för </a:t>
-            </a:r>
-            <a:r>
-              <a:rPr lang="sv-SE" dirty="0"/>
-              <a:t>validering på </a:t>
-            </a:r>
-            <a:r>
-              <a:rPr lang="sv-SE" dirty="0" smtClean="0"/>
-              <a:t>klienten (</a:t>
-            </a:r>
-            <a:r>
-              <a:rPr lang="sv-SE" i="1" dirty="0" smtClean="0"/>
-              <a:t>”</a:t>
-            </a:r>
-            <a:r>
-              <a:rPr lang="sv-SE" i="1" dirty="0" err="1" smtClean="0"/>
-              <a:t>Unobtrusive</a:t>
-            </a:r>
-            <a:r>
-              <a:rPr lang="sv-SE" i="1" dirty="0" smtClean="0"/>
-              <a:t> </a:t>
-            </a:r>
-            <a:r>
-              <a:rPr lang="sv-SE" i="1" dirty="0" err="1"/>
-              <a:t>Client</a:t>
-            </a:r>
-            <a:r>
-              <a:rPr lang="sv-SE" i="1" dirty="0"/>
-              <a:t> </a:t>
-            </a:r>
-            <a:r>
-              <a:rPr lang="sv-SE" i="1" dirty="0" err="1" smtClean="0"/>
-              <a:t>Validation</a:t>
-            </a:r>
-            <a:r>
-              <a:rPr lang="sv-SE" i="1" dirty="0" smtClean="0"/>
-              <a:t>”</a:t>
-            </a:r>
-            <a:r>
-              <a:rPr lang="sv-SE" dirty="0" smtClean="0"/>
-              <a:t>)</a:t>
-            </a:r>
-            <a:r>
-              <a:rPr lang="sv-SE" i="1" dirty="0" smtClean="0"/>
-              <a:t>.</a:t>
-            </a:r>
-          </a:p>
-          <a:p>
-            <a:r>
-              <a:rPr lang="sv-SE" dirty="0" smtClean="0"/>
-              <a:t>Valideringsmeddelanden visas och döljs dynamiskt och formuläret postas inte om fälten inte klarar valideringen på klienten.</a:t>
-            </a:r>
-            <a:endParaRPr lang="sv-SE" dirty="0"/>
-          </a:p>
-        </p:txBody>
-      </p:sp>
       <p:pic>
         <p:nvPicPr>
-          <p:cNvPr id="7173" name="Picture 5"/>
+          <p:cNvPr id="6" name="Bildobjekt 5"/>
           <p:cNvPicPr>
-            <a:picLocks noChangeAspect="1" noChangeArrowheads="1"/>
+            <a:picLocks noChangeAspect="1"/>
           </p:cNvPicPr>
           <p:nvPr/>
         </p:nvPicPr>
         <p:blipFill>
-          <a:blip r:embed="rId4">
-            <a:extLst>
-              <a:ext uri="{28A0092B-C50C-407E-A947-70E740481C1C}">
-                <a14:useLocalDpi xmlns:a14="http://schemas.microsoft.com/office/drawing/2010/main" val="0"/>
-              </a:ext>
-            </a:extLst>
-          </a:blip>
-          <a:srcRect/>
+          <a:blip r:embed="rId4"/>
           <a:stretch>
             <a:fillRect/>
           </a:stretch>
         </p:blipFill>
-        <p:spPr bwMode="auto">
+        <p:spPr>
           <a:xfrm rot="180000">
-            <a:off x="5211225" y="3881177"/>
-            <a:ext cx="4920000" cy="1866666"/>
+            <a:off x="5219030" y="3569925"/>
+            <a:ext cx="4076190" cy="2142857"/>
           </a:xfrm>
           <a:prstGeom prst="rect">
             <a:avLst/>
@@ -9013,34 +8747,26 @@
               <a:srgbClr val="FFFFFF"/>
             </a:contourClr>
           </a:sp3d>
-          <a:extLst/>
         </p:spPr>
       </p:pic>
       <p:pic>
         <p:nvPicPr>
-          <p:cNvPr id="7174" name="Picture 6"/>
+          <p:cNvPr id="7" name="Bildobjekt 6"/>
           <p:cNvPicPr>
-            <a:picLocks noChangeAspect="1" noChangeArrowheads="1"/>
+            <a:picLocks noChangeAspect="1"/>
           </p:cNvPicPr>
           <p:nvPr/>
         </p:nvPicPr>
         <p:blipFill>
-          <a:blip r:embed="rId5">
-            <a:extLst>
-              <a:ext uri="{28A0092B-C50C-407E-A947-70E740481C1C}">
-                <a14:useLocalDpi xmlns:a14="http://schemas.microsoft.com/office/drawing/2010/main" val="0"/>
-              </a:ext>
-            </a:extLst>
-          </a:blip>
-          <a:srcRect/>
+          <a:blip r:embed="rId5"/>
           <a:stretch>
             <a:fillRect/>
           </a:stretch>
         </p:blipFill>
-        <p:spPr bwMode="auto">
+        <p:spPr>
           <a:xfrm rot="540000">
-            <a:off x="4503588" y="2069716"/>
-            <a:ext cx="9839326" cy="3067050"/>
+            <a:off x="4802492" y="1958097"/>
+            <a:ext cx="12114286" cy="3371429"/>
           </a:xfrm>
           <a:prstGeom prst="rect">
             <a:avLst/>
@@ -9077,9 +8803,214 @@
               <a:srgbClr val="FFFFFF"/>
             </a:contourClr>
           </a:sp3d>
-          <a:extLst/>
         </p:spPr>
       </p:pic>
+      <p:sp>
+        <p:nvSpPr>
+          <p:cNvPr id="2" name="Rubrik 1"/>
+          <p:cNvSpPr>
+            <a:spLocks noGrp="1"/>
+          </p:cNvSpPr>
+          <p:nvPr>
+            <p:ph type="title"/>
+          </p:nvPr>
+        </p:nvSpPr>
+        <p:spPr/>
+        <p:txBody>
+          <a:bodyPr/>
+          <a:lstStyle/>
+          <a:p>
+            <a:r>
+              <a:rPr lang="sv-SE" dirty="0" smtClean="0"/>
+              <a:t>Validering på klienten</a:t>
+            </a:r>
+            <a:endParaRPr lang="sv-SE" dirty="0"/>
+          </a:p>
+        </p:txBody>
+      </p:sp>
+      <p:sp>
+        <p:nvSpPr>
+          <p:cNvPr id="3" name="Platshållare för innehåll 2"/>
+          <p:cNvSpPr>
+            <a:spLocks noGrp="1"/>
+          </p:cNvSpPr>
+          <p:nvPr>
+            <p:ph idx="1"/>
+          </p:nvPr>
+        </p:nvSpPr>
+        <p:spPr/>
+        <p:txBody>
+          <a:bodyPr/>
+          <a:lstStyle/>
+          <a:p>
+            <a:r>
+              <a:rPr lang="sv-SE" dirty="0" smtClean="0"/>
+              <a:t>ASP.NET MVC </a:t>
+            </a:r>
+            <a:r>
+              <a:rPr lang="sv-SE" dirty="0" smtClean="0"/>
+              <a:t>5 </a:t>
+            </a:r>
+            <a:r>
+              <a:rPr lang="sv-SE" dirty="0" smtClean="0"/>
+              <a:t>använder sig av </a:t>
+            </a:r>
+            <a:r>
+              <a:rPr lang="sv-SE" i="1" dirty="0" smtClean="0"/>
+              <a:t>data annotation</a:t>
+            </a:r>
+            <a:r>
+              <a:rPr lang="sv-SE" dirty="0" smtClean="0"/>
+              <a:t> ihop med jQuery och jQuery </a:t>
+            </a:r>
+            <a:r>
+              <a:rPr lang="sv-SE" dirty="0" err="1" smtClean="0"/>
+              <a:t>Validation</a:t>
+            </a:r>
+            <a:r>
+              <a:rPr lang="sv-SE" dirty="0"/>
+              <a:t> </a:t>
+            </a:r>
+            <a:r>
+              <a:rPr lang="sv-SE" dirty="0" smtClean="0"/>
+              <a:t>för </a:t>
+            </a:r>
+            <a:r>
+              <a:rPr lang="sv-SE" dirty="0"/>
+              <a:t>validering på </a:t>
+            </a:r>
+            <a:r>
+              <a:rPr lang="sv-SE" dirty="0" smtClean="0"/>
+              <a:t>klienten (</a:t>
+            </a:r>
+            <a:r>
+              <a:rPr lang="sv-SE" i="1" dirty="0" smtClean="0"/>
+              <a:t>”</a:t>
+            </a:r>
+            <a:r>
+              <a:rPr lang="sv-SE" i="1" dirty="0" err="1" smtClean="0"/>
+              <a:t>Unobtrusive</a:t>
+            </a:r>
+            <a:r>
+              <a:rPr lang="sv-SE" i="1" dirty="0" smtClean="0"/>
+              <a:t> </a:t>
+            </a:r>
+            <a:r>
+              <a:rPr lang="sv-SE" i="1" dirty="0" err="1"/>
+              <a:t>Client</a:t>
+            </a:r>
+            <a:r>
+              <a:rPr lang="sv-SE" i="1" dirty="0"/>
+              <a:t> </a:t>
+            </a:r>
+            <a:r>
+              <a:rPr lang="sv-SE" i="1" dirty="0" err="1" smtClean="0"/>
+              <a:t>Validation</a:t>
+            </a:r>
+            <a:r>
+              <a:rPr lang="sv-SE" i="1" dirty="0" smtClean="0"/>
+              <a:t>”</a:t>
+            </a:r>
+            <a:r>
+              <a:rPr lang="sv-SE" dirty="0" smtClean="0"/>
+              <a:t>)</a:t>
+            </a:r>
+            <a:r>
+              <a:rPr lang="sv-SE" i="1" dirty="0" smtClean="0"/>
+              <a:t>.</a:t>
+            </a:r>
+          </a:p>
+          <a:p>
+            <a:r>
+              <a:rPr lang="sv-SE" dirty="0" smtClean="0"/>
+              <a:t>Valideringsmeddelanden visas och döljs dynamiskt och formuläret postas inte om fälten inte klarar valideringen på klienten.</a:t>
+            </a:r>
+            <a:endParaRPr lang="sv-SE" dirty="0"/>
+          </a:p>
+        </p:txBody>
+      </p:sp>
+      <p:sp>
+        <p:nvSpPr>
+          <p:cNvPr id="12" name="Ellips 11"/>
+          <p:cNvSpPr/>
+          <p:nvPr/>
+        </p:nvSpPr>
+        <p:spPr bwMode="auto">
+          <a:xfrm rot="526110">
+            <a:off x="7257591" y="3236604"/>
+            <a:ext cx="1713917" cy="276625"/>
+          </a:xfrm>
+          <a:prstGeom prst="ellipse">
+            <a:avLst/>
+          </a:prstGeom>
+          <a:solidFill>
+            <a:srgbClr val="FFF500">
+              <a:alpha val="20000"/>
+            </a:srgbClr>
+          </a:solidFill>
+          <a:ln>
+            <a:noFill/>
+            <a:headEnd type="none" w="med" len="med"/>
+            <a:tailEnd type="none" w="med" len="med"/>
+          </a:ln>
+          <a:scene3d>
+            <a:camera prst="orthographicFront">
+              <a:rot lat="0" lon="0" rev="0"/>
+            </a:camera>
+            <a:lightRig rig="threePt" dir="t"/>
+          </a:scene3d>
+        </p:spPr>
+        <p:style>
+          <a:lnRef idx="2">
+            <a:schemeClr val="accent6"/>
+          </a:lnRef>
+          <a:fillRef idx="1">
+            <a:schemeClr val="lt1"/>
+          </a:fillRef>
+          <a:effectRef idx="0">
+            <a:schemeClr val="accent6"/>
+          </a:effectRef>
+          <a:fontRef idx="minor">
+            <a:schemeClr val="dk1"/>
+          </a:fontRef>
+        </p:style>
+        <p:txBody>
+          <a:bodyPr vert="horz" wrap="square" lIns="90488" tIns="44450" rIns="90488" bIns="44450" numCol="1" rtlCol="0" anchor="t" anchorCtr="0" compatLnSpc="1">
+            <a:prstTxWarp prst="textNoShape">
+              <a:avLst/>
+            </a:prstTxWarp>
+          </a:bodyPr>
+          <a:lstStyle/>
+          <a:p>
+            <a:pPr marL="0" marR="0" indent="0" algn="l" defTabSz="914400" rtl="0" eaLnBrk="1" fontAlgn="base" latinLnBrk="0" hangingPunct="1">
+              <a:lnSpc>
+                <a:spcPct val="100000"/>
+              </a:lnSpc>
+              <a:spcBef>
+                <a:spcPct val="0"/>
+              </a:spcBef>
+              <a:spcAft>
+                <a:spcPct val="0"/>
+              </a:spcAft>
+              <a:buClrTx/>
+              <a:buSzTx/>
+              <a:buFontTx/>
+              <a:buNone/>
+              <a:tabLst/>
+            </a:pPr>
+            <a:endParaRPr kumimoji="0" lang="sv-SE" sz="1800" b="0" i="0" u="none" strike="noStrike" cap="none" normalizeH="0" baseline="0" smtClean="0">
+              <a:ln>
+                <a:noFill/>
+              </a:ln>
+              <a:solidFill>
+                <a:schemeClr val="tx1"/>
+              </a:solidFill>
+              <a:effectLst/>
+              <a:latin typeface="Arial" charset="0"/>
+            </a:endParaRPr>
+          </a:p>
+        </p:txBody>
+      </p:sp>
     </p:spTree>
   </p:cSld>
   <p:clrMapOvr>
@@ -9117,29 +9048,199 @@
       </p:grpSpPr>
       <p:pic>
         <p:nvPicPr>
-          <p:cNvPr id="2050" name="Picture 2"/>
+          <p:cNvPr id="6" name="Bildobjekt 5"/>
           <p:cNvPicPr>
-            <a:picLocks noChangeAspect="1" noChangeArrowheads="1"/>
+            <a:picLocks noChangeAspect="1"/>
           </p:cNvPicPr>
           <p:nvPr/>
         </p:nvPicPr>
         <p:blipFill>
-          <a:blip r:embed="rId2">
-            <a:extLst>
-              <a:ext uri="{28A0092B-C50C-407E-A947-70E740481C1C}">
-                <a14:useLocalDpi xmlns:a14="http://schemas.microsoft.com/office/drawing/2010/main" val="0"/>
-              </a:ext>
-            </a:extLst>
-          </a:blip>
-          <a:srcRect/>
+          <a:blip r:embed="rId2"/>
           <a:stretch>
             <a:fillRect/>
           </a:stretch>
         </p:blipFill>
-        <p:spPr bwMode="auto">
-          <a:xfrm rot="21120000">
-            <a:off x="-330879" y="2358618"/>
-            <a:ext cx="4662857" cy="2805715"/>
+        <p:spPr>
+          <a:xfrm>
+            <a:off x="4129462" y="2733142"/>
+            <a:ext cx="7491038" cy="3572832"/>
+          </a:xfrm>
+          <a:prstGeom prst="rect">
+            <a:avLst/>
+          </a:prstGeom>
+          <a:noFill/>
+          <a:ln w="3175">
+            <a:solidFill>
+              <a:schemeClr val="bg1">
+                <a:lumMod val="85000"/>
+              </a:schemeClr>
+            </a:solidFill>
+            <a:miter lim="800000"/>
+            <a:headEnd/>
+            <a:tailEnd/>
+          </a:ln>
+          <a:scene3d>
+            <a:camera prst="perspectiveContrastingLeftFacing" fov="2700000">
+              <a:rot lat="20868287" lon="2266676" rev="20240078"/>
+            </a:camera>
+            <a:lightRig rig="threePt" dir="t"/>
+          </a:scene3d>
+        </p:spPr>
+      </p:pic>
+      <p:sp>
+        <p:nvSpPr>
+          <p:cNvPr id="2" name="Rubrik 1"/>
+          <p:cNvSpPr>
+            <a:spLocks noGrp="1"/>
+          </p:cNvSpPr>
+          <p:nvPr>
+            <p:ph type="title"/>
+          </p:nvPr>
+        </p:nvSpPr>
+        <p:spPr>
+          <a:xfrm>
+            <a:off x="457200" y="96573"/>
+            <a:ext cx="8229600" cy="597256"/>
+          </a:xfrm>
+        </p:spPr>
+        <p:txBody>
+          <a:bodyPr/>
+          <a:lstStyle/>
+          <a:p>
+            <a:r>
+              <a:rPr lang="sv-SE" dirty="0" smtClean="0"/>
+              <a:t>Eget valideringsattribut</a:t>
+            </a:r>
+            <a:endParaRPr lang="sv-SE" dirty="0"/>
+          </a:p>
+        </p:txBody>
+      </p:sp>
+      <p:sp>
+        <p:nvSpPr>
+          <p:cNvPr id="3" name="Platshållare för innehåll 2"/>
+          <p:cNvSpPr>
+            <a:spLocks noGrp="1"/>
+          </p:cNvSpPr>
+          <p:nvPr>
+            <p:ph idx="1"/>
+          </p:nvPr>
+        </p:nvSpPr>
+        <p:spPr>
+          <a:xfrm>
+            <a:off x="476250" y="817563"/>
+            <a:ext cx="8229600" cy="4619625"/>
+          </a:xfrm>
+        </p:spPr>
+        <p:txBody>
+          <a:bodyPr/>
+          <a:lstStyle/>
+          <a:p>
+            <a:r>
+              <a:rPr lang="sv-SE" dirty="0" smtClean="0"/>
+              <a:t>Egna valideringsattribut för validering på servern skapar du genom att härleda en klass från </a:t>
+            </a:r>
+            <a:r>
+              <a:rPr lang="sv-SE" sz="1600" dirty="0" err="1">
+                <a:latin typeface="Courier New" pitchFamily="49" charset="0"/>
+                <a:cs typeface="Courier New" pitchFamily="49" charset="0"/>
+              </a:rPr>
+              <a:t>ValidationAttribute</a:t>
+            </a:r>
+            <a:r>
+              <a:rPr lang="sv-SE" dirty="0" smtClean="0"/>
+              <a:t> och överskugga </a:t>
+            </a:r>
+            <a:r>
+              <a:rPr lang="sv-SE" sz="1600" dirty="0">
+                <a:latin typeface="Courier New" pitchFamily="49" charset="0"/>
+                <a:cs typeface="Courier New" pitchFamily="49" charset="0"/>
+              </a:rPr>
+              <a:t>metoden</a:t>
+            </a:r>
+            <a:r>
+              <a:rPr lang="sv-SE" dirty="0" smtClean="0"/>
+              <a:t> </a:t>
+            </a:r>
+            <a:r>
+              <a:rPr lang="sv-SE" dirty="0" err="1" smtClean="0"/>
+              <a:t>IsValid</a:t>
+            </a:r>
+            <a:r>
+              <a:rPr lang="sv-SE" dirty="0" smtClean="0"/>
+              <a:t>.</a:t>
+            </a:r>
+          </a:p>
+          <a:p>
+            <a:r>
+              <a:rPr lang="sv-SE" dirty="0" smtClean="0"/>
+              <a:t>Attributet </a:t>
+            </a:r>
+            <a:r>
+              <a:rPr lang="sv-SE" sz="1600" dirty="0" err="1">
+                <a:latin typeface="Courier New" pitchFamily="49" charset="0"/>
+                <a:cs typeface="Courier New" pitchFamily="49" charset="0"/>
+              </a:rPr>
+              <a:t>Required</a:t>
+            </a:r>
+            <a:r>
+              <a:rPr lang="sv-SE" dirty="0" smtClean="0"/>
+              <a:t> används för att bestämma om ett värde krävs eller inte varför </a:t>
+            </a:r>
+            <a:r>
+              <a:rPr lang="sv-SE" sz="1600" dirty="0" err="1">
+                <a:latin typeface="Courier New" pitchFamily="49" charset="0"/>
+                <a:cs typeface="Courier New" pitchFamily="49" charset="0"/>
+              </a:rPr>
+              <a:t>IsValid</a:t>
+            </a:r>
+            <a:r>
+              <a:rPr lang="sv-SE" dirty="0"/>
+              <a:t> ska returnera </a:t>
+            </a:r>
+            <a:r>
+              <a:rPr lang="sv-SE" sz="1600" dirty="0" err="1">
+                <a:latin typeface="Courier New" pitchFamily="49" charset="0"/>
+                <a:cs typeface="Courier New" pitchFamily="49" charset="0"/>
+              </a:rPr>
+              <a:t>true</a:t>
+            </a:r>
+            <a:r>
+              <a:rPr lang="sv-SE" dirty="0"/>
+              <a:t> värdet är </a:t>
+            </a:r>
+            <a:r>
+              <a:rPr lang="sv-SE" sz="1600" dirty="0" err="1">
+                <a:latin typeface="Courier New" pitchFamily="49" charset="0"/>
+                <a:cs typeface="Courier New" pitchFamily="49" charset="0"/>
+              </a:rPr>
+              <a:t>null</a:t>
+            </a:r>
+            <a:r>
+              <a:rPr lang="sv-SE" dirty="0" smtClean="0"/>
+              <a:t>.</a:t>
+            </a:r>
+            <a:endParaRPr lang="sv-SE" dirty="0"/>
+          </a:p>
+        </p:txBody>
+      </p:sp>
+      <p:pic>
+        <p:nvPicPr>
+          <p:cNvPr id="5" name="Bildobjekt 4"/>
+          <p:cNvPicPr>
+            <a:picLocks noChangeAspect="1"/>
+          </p:cNvPicPr>
+          <p:nvPr/>
+        </p:nvPicPr>
+        <p:blipFill>
+          <a:blip r:embed="rId3"/>
+          <a:stretch>
+            <a:fillRect/>
+          </a:stretch>
+        </p:blipFill>
+        <p:spPr>
+          <a:xfrm>
+            <a:off x="605156" y="2333121"/>
+            <a:ext cx="5095238" cy="3085714"/>
           </a:xfrm>
           <a:prstGeom prst="rect">
             <a:avLst/>
@@ -9149,226 +9250,96 @@
               <a:shade val="85000"/>
             </a:srgbClr>
           </a:solidFill>
-          <a:ln w="101600" cap="sq">
+          <a:ln w="190500" cap="sq">
             <a:solidFill>
-              <a:srgbClr val="FDFDFD"/>
+              <a:srgbClr val="FFFFFF"/>
             </a:solidFill>
             <a:miter lim="800000"/>
           </a:ln>
           <a:effectLst>
-            <a:outerShdw blurRad="57150" dist="37500" dir="7560000" sy="98000" kx="110000" ky="200000" algn="tl" rotWithShape="0">
+            <a:outerShdw blurRad="65000" dist="50800" dir="12900000" kx="195000" ky="145000" algn="tl" rotWithShape="0">
               <a:srgbClr val="000000">
-                <a:alpha val="20000"/>
+                <a:alpha val="30000"/>
               </a:srgbClr>
             </a:outerShdw>
           </a:effectLst>
           <a:scene3d>
-            <a:camera prst="perspectiveRelaxed">
-              <a:rot lat="18960000" lon="0" rev="0"/>
+            <a:camera prst="orthographicFront">
+              <a:rot lat="0" lon="0" rev="360000"/>
             </a:camera>
             <a:lightRig rig="twoPt" dir="t">
               <a:rot lat="0" lon="0" rev="7200000"/>
             </a:lightRig>
           </a:scene3d>
-          <a:sp3d prstMaterial="matte">
-            <a:bevelT w="22860" h="12700"/>
+          <a:sp3d contourW="12700">
+            <a:bevelT w="25400" h="19050"/>
             <a:contourClr>
-              <a:srgbClr val="FFFFFF"/>
+              <a:srgbClr val="969696"/>
             </a:contourClr>
           </a:sp3d>
-          <a:extLst/>
         </p:spPr>
       </p:pic>
+    </p:spTree>
+    <p:extLst>
+      <p:ext uri="{BB962C8B-B14F-4D97-AF65-F5344CB8AC3E}">
+        <p14:creationId xmlns:p14="http://schemas.microsoft.com/office/powerpoint/2010/main" val="3171902929"/>
+      </p:ext>
+    </p:extLst>
+  </p:cSld>
+  <p:clrMapOvr>
+    <a:masterClrMapping/>
+  </p:clrMapOvr>
+  <p:transition>
+    <p:random/>
+  </p:transition>
+</p:sld>
+</file>
+
+<file path=ppt/slides/slide19.xml><?xml version="1.0" encoding="utf-8"?>
+<p:sld xmlns:a="http://schemas.openxmlformats.org/drawingml/2006/main" xmlns:r="http://schemas.openxmlformats.org/officeDocument/2006/relationships" xmlns:p="http://schemas.openxmlformats.org/presentationml/2006/main">
+  <p:cSld>
+    <p:spTree>
+      <p:nvGrpSpPr>
+        <p:cNvPr id="1" name=""/>
+        <p:cNvGrpSpPr/>
+        <p:nvPr/>
+      </p:nvGrpSpPr>
+      <p:grpSpPr>
+        <a:xfrm>
+          <a:off x="0" y="0"/>
+          <a:ext cx="0" cy="0"/>
+          <a:chOff x="0" y="0"/>
+          <a:chExt cx="0" cy="0"/>
+        </a:xfrm>
+      </p:grpSpPr>
       <p:pic>
         <p:nvPicPr>
-          <p:cNvPr id="2051" name="Picture 3"/>
+          <p:cNvPr id="6" name="Bildobjekt 5"/>
           <p:cNvPicPr>
-            <a:picLocks noChangeAspect="1" noChangeArrowheads="1"/>
+            <a:picLocks noChangeAspect="1"/>
           </p:cNvPicPr>
           <p:nvPr/>
         </p:nvPicPr>
         <p:blipFill>
-          <a:blip r:embed="rId3">
-            <a:extLst>
-              <a:ext uri="{28A0092B-C50C-407E-A947-70E740481C1C}">
-                <a14:useLocalDpi xmlns:a14="http://schemas.microsoft.com/office/drawing/2010/main" val="0"/>
-              </a:ext>
-            </a:extLst>
-          </a:blip>
-          <a:srcRect/>
+          <a:blip r:embed="rId2"/>
           <a:stretch>
             <a:fillRect/>
           </a:stretch>
         </p:blipFill>
-        <p:spPr bwMode="auto">
-          <a:xfrm rot="21420000">
-            <a:off x="1925254" y="1939763"/>
-            <a:ext cx="4674286" cy="2560000"/>
+        <p:spPr>
+          <a:xfrm rot="20606962">
+            <a:off x="5218117" y="4732321"/>
+            <a:ext cx="3915150" cy="1137035"/>
           </a:xfrm>
           <a:prstGeom prst="rect">
             <a:avLst/>
           </a:prstGeom>
-          <a:solidFill>
-            <a:srgbClr val="FFFFFF">
-              <a:shade val="85000"/>
-            </a:srgbClr>
-          </a:solidFill>
-          <a:ln w="101600" cap="sq">
-            <a:solidFill>
-              <a:srgbClr val="FDFDFD"/>
-            </a:solidFill>
-            <a:miter lim="800000"/>
-          </a:ln>
-          <a:effectLst>
-            <a:outerShdw blurRad="57150" dist="37500" dir="7560000" sy="98000" kx="110000" ky="200000" algn="tl" rotWithShape="0">
-              <a:srgbClr val="000000">
-                <a:alpha val="20000"/>
-              </a:srgbClr>
-            </a:outerShdw>
-          </a:effectLst>
           <a:scene3d>
-            <a:camera prst="perspectiveRelaxed">
-              <a:rot lat="18960000" lon="0" rev="0"/>
+            <a:camera prst="orthographicFront">
+              <a:rot lat="20999993" lon="0" rev="20999999"/>
             </a:camera>
-            <a:lightRig rig="twoPt" dir="t">
-              <a:rot lat="0" lon="0" rev="7200000"/>
-            </a:lightRig>
+            <a:lightRig rig="threePt" dir="t"/>
           </a:scene3d>
-          <a:sp3d prstMaterial="matte">
-            <a:bevelT w="22860" h="12700"/>
-            <a:contourClr>
-              <a:srgbClr val="FFFFFF"/>
-            </a:contourClr>
-          </a:sp3d>
-          <a:extLst/>
-        </p:spPr>
-      </p:pic>
-      <p:pic>
-        <p:nvPicPr>
-          <p:cNvPr id="2052" name="Picture 4"/>
-          <p:cNvPicPr>
-            <a:picLocks noChangeAspect="1" noChangeArrowheads="1"/>
-          </p:cNvPicPr>
-          <p:nvPr/>
-        </p:nvPicPr>
-        <p:blipFill>
-          <a:blip r:embed="rId4">
-            <a:extLst>
-              <a:ext uri="{28A0092B-C50C-407E-A947-70E740481C1C}">
-                <a14:useLocalDpi xmlns:a14="http://schemas.microsoft.com/office/drawing/2010/main" val="0"/>
-              </a:ext>
-            </a:extLst>
-          </a:blip>
-          <a:srcRect/>
-          <a:stretch>
-            <a:fillRect/>
-          </a:stretch>
-        </p:blipFill>
-        <p:spPr bwMode="auto">
-          <a:xfrm rot="21000000">
-            <a:off x="2913856" y="2929279"/>
-            <a:ext cx="4651429" cy="2285714"/>
-          </a:xfrm>
-          <a:prstGeom prst="rect">
-            <a:avLst/>
-          </a:prstGeom>
-          <a:solidFill>
-            <a:srgbClr val="FFFFFF">
-              <a:shade val="85000"/>
-            </a:srgbClr>
-          </a:solidFill>
-          <a:ln w="101600" cap="sq">
-            <a:solidFill>
-              <a:srgbClr val="FDFDFD"/>
-            </a:solidFill>
-            <a:miter lim="800000"/>
-          </a:ln>
-          <a:effectLst>
-            <a:outerShdw blurRad="57150" dist="37500" dir="7560000" sy="98000" kx="110000" ky="200000" algn="tl" rotWithShape="0">
-              <a:srgbClr val="000000">
-                <a:alpha val="20000"/>
-              </a:srgbClr>
-            </a:outerShdw>
-          </a:effectLst>
-          <a:scene3d>
-            <a:camera prst="perspectiveRelaxed">
-              <a:rot lat="18960000" lon="0" rev="0"/>
-            </a:camera>
-            <a:lightRig rig="twoPt" dir="t">
-              <a:rot lat="0" lon="0" rev="7200000"/>
-            </a:lightRig>
-          </a:scene3d>
-          <a:sp3d prstMaterial="matte">
-            <a:bevelT w="22860" h="12700"/>
-            <a:contourClr>
-              <a:srgbClr val="FFFFFF"/>
-            </a:contourClr>
-          </a:sp3d>
-          <a:extLst/>
-        </p:spPr>
-      </p:pic>
-      <p:pic>
-        <p:nvPicPr>
-          <p:cNvPr id="2053" name="Picture 5"/>
-          <p:cNvPicPr>
-            <a:picLocks noChangeAspect="1" noChangeArrowheads="1"/>
-          </p:cNvPicPr>
-          <p:nvPr/>
-        </p:nvPicPr>
-        <p:blipFill>
-          <a:blip r:embed="rId5">
-            <a:extLst>
-              <a:ext uri="{28A0092B-C50C-407E-A947-70E740481C1C}">
-                <a14:useLocalDpi xmlns:a14="http://schemas.microsoft.com/office/drawing/2010/main" val="0"/>
-              </a:ext>
-            </a:extLst>
-          </a:blip>
-          <a:srcRect/>
-          <a:stretch>
-            <a:fillRect/>
-          </a:stretch>
-        </p:blipFill>
-        <p:spPr bwMode="auto">
-          <a:xfrm>
-            <a:off x="5429023" y="3021436"/>
-            <a:ext cx="4662857" cy="3560000"/>
-          </a:xfrm>
-          <a:prstGeom prst="rect">
-            <a:avLst/>
-          </a:prstGeom>
-          <a:solidFill>
-            <a:srgbClr val="FFFFFF">
-              <a:shade val="85000"/>
-            </a:srgbClr>
-          </a:solidFill>
-          <a:ln w="101600" cap="sq">
-            <a:solidFill>
-              <a:srgbClr val="FDFDFD"/>
-            </a:solidFill>
-            <a:miter lim="800000"/>
-          </a:ln>
-          <a:effectLst>
-            <a:outerShdw blurRad="57150" dist="37500" dir="7560000" sy="98000" kx="110000" ky="200000" algn="tl" rotWithShape="0">
-              <a:srgbClr val="000000">
-                <a:alpha val="20000"/>
-              </a:srgbClr>
-            </a:outerShdw>
-          </a:effectLst>
-          <a:scene3d>
-            <a:camera prst="perspectiveRelaxed">
-              <a:rot lat="18960000" lon="0" rev="0"/>
-            </a:camera>
-            <a:lightRig rig="twoPt" dir="t">
-              <a:rot lat="0" lon="0" rev="7200000"/>
-            </a:lightRig>
-          </a:scene3d>
-          <a:sp3d prstMaterial="matte">
-            <a:bevelT w="22860" h="12700"/>
-            <a:contourClr>
-              <a:srgbClr val="FFFFFF"/>
-            </a:contourClr>
-          </a:sp3d>
-          <a:extLst/>
         </p:spPr>
       </p:pic>
       <p:sp>
@@ -9388,7 +9359,7 @@
           <a:p>
             <a:r>
               <a:rPr lang="sv-SE" dirty="0" smtClean="0"/>
-              <a:t>Mer information</a:t>
+              <a:t>Validering på klienten genom valideringsattribut</a:t>
             </a:r>
             <a:endParaRPr lang="sv-SE" dirty="0"/>
           </a:p>
@@ -9401,120 +9372,151 @@
             <a:spLocks noGrp="1"/>
           </p:cNvSpPr>
           <p:nvPr>
-            <p:ph sz="half" idx="1"/>
+            <p:ph idx="1"/>
           </p:nvPr>
         </p:nvSpPr>
-        <p:spPr>
-          <a:xfrm>
-            <a:off x="457199" y="817563"/>
-            <a:ext cx="8085727" cy="4619625"/>
-          </a:xfrm>
-        </p:spPr>
+        <p:spPr/>
         <p:txBody>
           <a:bodyPr/>
           <a:lstStyle/>
           <a:p>
             <a:r>
-              <a:rPr lang="sv-SE" sz="1800" dirty="0" smtClean="0"/>
-              <a:t>I kurslitteraturen kapitel 20-23 hittar du mer information om </a:t>
-            </a:r>
-            <a:r>
-              <a:rPr lang="sv-SE" sz="1800" i="1" dirty="0" smtClean="0"/>
-              <a:t>”</a:t>
-            </a:r>
-            <a:r>
-              <a:rPr lang="sv-SE" sz="1800" i="1" dirty="0" err="1" smtClean="0"/>
-              <a:t>model</a:t>
-            </a:r>
-            <a:r>
-              <a:rPr lang="sv-SE" sz="1800" i="1" dirty="0" smtClean="0"/>
-              <a:t> templates”</a:t>
-            </a:r>
-            <a:r>
-              <a:rPr lang="sv-SE" sz="1800" dirty="0" smtClean="0"/>
-              <a:t>, bindning, validering och ”</a:t>
-            </a:r>
-            <a:r>
-              <a:rPr lang="sv-SE" sz="1800" i="1" dirty="0" err="1" smtClean="0"/>
-              <a:t>unobtrusive</a:t>
-            </a:r>
-            <a:r>
-              <a:rPr lang="sv-SE" sz="1800" i="1" dirty="0" smtClean="0"/>
-              <a:t> Ajax</a:t>
-            </a:r>
-            <a:r>
-              <a:rPr lang="sv-SE" sz="1800" dirty="0" smtClean="0"/>
-              <a:t>”.</a:t>
-            </a:r>
-          </a:p>
-          <a:p>
-            <a:r>
-              <a:rPr lang="sv-SE" sz="1800" dirty="0"/>
-              <a:t>På </a:t>
-            </a:r>
-            <a:r>
-              <a:rPr lang="sv-SE" sz="1800" dirty="0">
-                <a:hlinkClick r:id="rId6"/>
+              <a:rPr lang="sv-SE" dirty="0" smtClean="0"/>
+              <a:t>För att låta ett eget valideringsattribut även validera på klienten måste interfacet </a:t>
+            </a:r>
+            <a:r>
+              <a:rPr lang="sv-SE" sz="1600" dirty="0" err="1">
+                <a:latin typeface="Courier New" pitchFamily="49" charset="0"/>
+                <a:cs typeface="Courier New" pitchFamily="49" charset="0"/>
               </a:rPr>
-              <a:t>http://www.asp.net/mvc/tutorials/mvc-4/getting-started-with-aspnet-mvc4/adding-validation-to-the-model</a:t>
-            </a:r>
-            <a:r>
-              <a:rPr lang="sv-SE" sz="1800" dirty="0" smtClean="0"/>
-              <a:t> finns exempel på validering. </a:t>
-            </a:r>
-            <a:r>
-              <a:rPr lang="sv-SE" sz="1050" dirty="0">
-                <a:solidFill>
-                  <a:schemeClr val="bg1">
-                    <a:lumMod val="65000"/>
-                  </a:schemeClr>
-                </a:solidFill>
-              </a:rPr>
-              <a:t>På </a:t>
-            </a:r>
-            <a:r>
-              <a:rPr lang="sv-SE" sz="1050" dirty="0">
-                <a:solidFill>
-                  <a:schemeClr val="bg1">
-                    <a:lumMod val="65000"/>
-                  </a:schemeClr>
-                </a:solidFill>
-                <a:hlinkClick r:id="rId7"/>
-              </a:rPr>
-              <a:t>http://www.asp.net/mvc/tutorials/older-versions/models-(data)/</a:t>
-            </a:r>
-            <a:r>
-              <a:rPr lang="sv-SE" sz="1050" dirty="0" smtClean="0">
-                <a:solidFill>
-                  <a:schemeClr val="bg1">
-                    <a:lumMod val="65000"/>
-                  </a:schemeClr>
-                </a:solidFill>
-                <a:hlinkClick r:id="rId7"/>
-              </a:rPr>
-              <a:t>performing-simple-validation-cs</a:t>
-            </a:r>
-            <a:r>
-              <a:rPr lang="sv-SE" sz="1050" dirty="0" smtClean="0">
-                <a:solidFill>
-                  <a:schemeClr val="bg1">
-                    <a:lumMod val="65000"/>
-                  </a:schemeClr>
-                </a:solidFill>
-              </a:rPr>
-              <a:t> finns flera ”gamla” exempel på hur validering kan implementeras.</a:t>
-            </a:r>
-            <a:endParaRPr lang="sv-SE" sz="1800" dirty="0" smtClean="0">
-              <a:solidFill>
-                <a:schemeClr val="bg1">
-                  <a:lumMod val="65000"/>
-                </a:schemeClr>
-              </a:solidFill>
-            </a:endParaRPr>
+              <a:t>IClientVaildatable</a:t>
+            </a:r>
+            <a:r>
+              <a:rPr lang="sv-SE" dirty="0" smtClean="0"/>
+              <a:t> implementeras och JavaScript för klientvalidering skrivas.</a:t>
+            </a:r>
+            <a:endParaRPr lang="sv-SE" dirty="0"/>
           </a:p>
         </p:txBody>
       </p:sp>
+      <p:pic>
+        <p:nvPicPr>
+          <p:cNvPr id="4" name="Bildobjekt 3"/>
+          <p:cNvPicPr>
+            <a:picLocks noChangeAspect="1"/>
+          </p:cNvPicPr>
+          <p:nvPr/>
+        </p:nvPicPr>
+        <p:blipFill>
+          <a:blip r:embed="rId3"/>
+          <a:stretch>
+            <a:fillRect/>
+          </a:stretch>
+        </p:blipFill>
+        <p:spPr>
+          <a:xfrm>
+            <a:off x="66675" y="1995208"/>
+            <a:ext cx="6963810" cy="3565714"/>
+          </a:xfrm>
+          <a:prstGeom prst="rect">
+            <a:avLst/>
+          </a:prstGeom>
+          <a:solidFill>
+            <a:srgbClr val="FFFFFF">
+              <a:shade val="85000"/>
+            </a:srgbClr>
+          </a:solidFill>
+          <a:ln w="190500" cap="sq">
+            <a:solidFill>
+              <a:srgbClr val="FFFFFF"/>
+            </a:solidFill>
+            <a:miter lim="800000"/>
+          </a:ln>
+          <a:effectLst>
+            <a:outerShdw blurRad="65000" dist="50800" dir="12900000" kx="195000" ky="145000" algn="tl" rotWithShape="0">
+              <a:srgbClr val="000000">
+                <a:alpha val="30000"/>
+              </a:srgbClr>
+            </a:outerShdw>
+          </a:effectLst>
+          <a:scene3d>
+            <a:camera prst="orthographicFront">
+              <a:rot lat="0" lon="0" rev="360000"/>
+            </a:camera>
+            <a:lightRig rig="twoPt" dir="t">
+              <a:rot lat="0" lon="0" rev="7200000"/>
+            </a:lightRig>
+          </a:scene3d>
+          <a:sp3d contourW="12700">
+            <a:bevelT w="25400" h="19050"/>
+            <a:contourClr>
+              <a:srgbClr val="969696"/>
+            </a:contourClr>
+          </a:sp3d>
+        </p:spPr>
+      </p:pic>
+      <p:pic>
+        <p:nvPicPr>
+          <p:cNvPr id="5" name="Bildobjekt 4"/>
+          <p:cNvPicPr>
+            <a:picLocks noChangeAspect="1"/>
+          </p:cNvPicPr>
+          <p:nvPr/>
+        </p:nvPicPr>
+        <p:blipFill>
+          <a:blip r:embed="rId4"/>
+          <a:stretch>
+            <a:fillRect/>
+          </a:stretch>
+        </p:blipFill>
+        <p:spPr>
+          <a:xfrm rot="573891">
+            <a:off x="4467557" y="1934945"/>
+            <a:ext cx="4822857" cy="1859047"/>
+          </a:xfrm>
+          <a:prstGeom prst="rect">
+            <a:avLst/>
+          </a:prstGeom>
+          <a:solidFill>
+            <a:srgbClr val="FFFFFF">
+              <a:shade val="85000"/>
+            </a:srgbClr>
+          </a:solidFill>
+          <a:ln w="190500" cap="sq">
+            <a:solidFill>
+              <a:srgbClr val="FFFFFF"/>
+            </a:solidFill>
+            <a:miter lim="800000"/>
+          </a:ln>
+          <a:effectLst>
+            <a:outerShdw blurRad="65000" dist="50800" dir="12900000" kx="195000" ky="145000" algn="tl" rotWithShape="0">
+              <a:srgbClr val="000000">
+                <a:alpha val="30000"/>
+              </a:srgbClr>
+            </a:outerShdw>
+          </a:effectLst>
+          <a:scene3d>
+            <a:camera prst="orthographicFront">
+              <a:rot lat="0" lon="0" rev="360000"/>
+            </a:camera>
+            <a:lightRig rig="twoPt" dir="t">
+              <a:rot lat="0" lon="0" rev="7200000"/>
+            </a:lightRig>
+          </a:scene3d>
+          <a:sp3d contourW="12700">
+            <a:bevelT w="25400" h="19050"/>
+            <a:contourClr>
+              <a:srgbClr val="969696"/>
+            </a:contourClr>
+          </a:sp3d>
+        </p:spPr>
+      </p:pic>
     </p:spTree>
+    <p:extLst>
+      <p:ext uri="{BB962C8B-B14F-4D97-AF65-F5344CB8AC3E}">
+        <p14:creationId xmlns:p14="http://schemas.microsoft.com/office/powerpoint/2010/main" val="3717097944"/>
+      </p:ext>
+    </p:extLst>
   </p:cSld>
   <p:clrMapOvr>
     <a:masterClrMapping/>
@@ -9882,6 +9884,206 @@
         <p14:creationId xmlns:p14="http://schemas.microsoft.com/office/powerpoint/2010/main" val="4283819101"/>
       </p:ext>
     </p:extLst>
+  </p:cSld>
+  <p:clrMapOvr>
+    <a:masterClrMapping/>
+  </p:clrMapOvr>
+  <p:transition>
+    <p:random/>
+  </p:transition>
+  <p:timing>
+    <p:tnLst>
+      <p:par>
+        <p:cTn id="1" dur="indefinite" restart="never" nodeType="tmRoot"/>
+      </p:par>
+    </p:tnLst>
+  </p:timing>
+</p:sld>
+</file>
+
+<file path=ppt/slides/slide20.xml><?xml version="1.0" encoding="utf-8"?>
+<p:sld xmlns:a="http://schemas.openxmlformats.org/drawingml/2006/main" xmlns:r="http://schemas.openxmlformats.org/officeDocument/2006/relationships" xmlns:p="http://schemas.openxmlformats.org/presentationml/2006/main">
+  <p:cSld>
+    <p:spTree>
+      <p:nvGrpSpPr>
+        <p:cNvPr id="1" name=""/>
+        <p:cNvGrpSpPr/>
+        <p:nvPr/>
+      </p:nvGrpSpPr>
+      <p:grpSpPr>
+        <a:xfrm>
+          <a:off x="0" y="0"/>
+          <a:ext cx="0" cy="0"/>
+          <a:chOff x="0" y="0"/>
+          <a:chExt cx="0" cy="0"/>
+        </a:xfrm>
+      </p:grpSpPr>
+      <p:sp>
+        <p:nvSpPr>
+          <p:cNvPr id="2" name="Rubrik 1"/>
+          <p:cNvSpPr>
+            <a:spLocks noGrp="1"/>
+          </p:cNvSpPr>
+          <p:nvPr>
+            <p:ph type="title"/>
+          </p:nvPr>
+        </p:nvSpPr>
+        <p:spPr/>
+        <p:txBody>
+          <a:bodyPr/>
+          <a:lstStyle/>
+          <a:p>
+            <a:r>
+              <a:rPr lang="sv-SE" dirty="0" smtClean="0"/>
+              <a:t>Mer information</a:t>
+            </a:r>
+            <a:endParaRPr lang="sv-SE" dirty="0"/>
+          </a:p>
+        </p:txBody>
+      </p:sp>
+      <p:sp>
+        <p:nvSpPr>
+          <p:cNvPr id="3" name="Platshållare för innehåll 2"/>
+          <p:cNvSpPr>
+            <a:spLocks noGrp="1"/>
+          </p:cNvSpPr>
+          <p:nvPr>
+            <p:ph sz="half" idx="1"/>
+          </p:nvPr>
+        </p:nvSpPr>
+        <p:spPr>
+          <a:xfrm>
+            <a:off x="457199" y="817563"/>
+            <a:ext cx="8085727" cy="4619625"/>
+          </a:xfrm>
+        </p:spPr>
+        <p:txBody>
+          <a:bodyPr/>
+          <a:lstStyle/>
+          <a:p>
+            <a:r>
+              <a:rPr lang="sv-SE" sz="1800" dirty="0" smtClean="0"/>
+              <a:t>I kurslitteraturen kapitel </a:t>
+            </a:r>
+            <a:r>
+              <a:rPr lang="sv-SE" sz="1800" dirty="0" smtClean="0"/>
+              <a:t>22-25 </a:t>
+            </a:r>
+            <a:r>
+              <a:rPr lang="sv-SE" sz="1800" dirty="0" smtClean="0"/>
+              <a:t>hittar du mer information om </a:t>
+            </a:r>
+            <a:r>
+              <a:rPr lang="sv-SE" sz="1800" i="1" dirty="0" smtClean="0"/>
+              <a:t>”</a:t>
+            </a:r>
+            <a:r>
+              <a:rPr lang="sv-SE" sz="1800" i="1" dirty="0" err="1" smtClean="0"/>
+              <a:t>model</a:t>
+            </a:r>
+            <a:r>
+              <a:rPr lang="sv-SE" sz="1800" i="1" dirty="0" smtClean="0"/>
+              <a:t> templates”</a:t>
+            </a:r>
+            <a:r>
+              <a:rPr lang="sv-SE" sz="1800" dirty="0" smtClean="0"/>
+              <a:t>, bindning, validering och ”</a:t>
+            </a:r>
+            <a:r>
+              <a:rPr lang="sv-SE" sz="1800" i="1" dirty="0" err="1" smtClean="0"/>
+              <a:t>unobtrusive</a:t>
+            </a:r>
+            <a:r>
+              <a:rPr lang="sv-SE" sz="1800" i="1" dirty="0" smtClean="0"/>
+              <a:t> Ajax</a:t>
+            </a:r>
+            <a:r>
+              <a:rPr lang="sv-SE" sz="1800" dirty="0" smtClean="0"/>
+              <a:t>”.</a:t>
+            </a:r>
+          </a:p>
+          <a:p>
+            <a:r>
+              <a:rPr lang="sv-SE" sz="1800" dirty="0"/>
+              <a:t>På </a:t>
+            </a:r>
+            <a:r>
+              <a:rPr lang="sv-SE" sz="1800" dirty="0">
+                <a:hlinkClick r:id="rId2"/>
+              </a:rPr>
+              <a:t>http://</a:t>
+            </a:r>
+            <a:r>
+              <a:rPr lang="sv-SE" sz="1800" dirty="0" smtClean="0">
+                <a:hlinkClick r:id="rId2"/>
+              </a:rPr>
+              <a:t>www.asp.net/mvc/overview/getting-started/introduction/adding-validation</a:t>
+            </a:r>
+            <a:r>
+              <a:rPr lang="sv-SE" sz="1800" dirty="0" smtClean="0"/>
+              <a:t> </a:t>
+            </a:r>
+            <a:r>
+              <a:rPr lang="sv-SE" sz="1800" dirty="0" smtClean="0"/>
+              <a:t>finns </a:t>
+            </a:r>
+            <a:r>
+              <a:rPr lang="sv-SE" sz="1800" dirty="0" smtClean="0"/>
+              <a:t>exempel på validering. </a:t>
+            </a:r>
+            <a:r>
+              <a:rPr lang="sv-SE" sz="1050" dirty="0">
+                <a:solidFill>
+                  <a:schemeClr val="bg1">
+                    <a:lumMod val="65000"/>
+                  </a:schemeClr>
+                </a:solidFill>
+              </a:rPr>
+              <a:t>På </a:t>
+            </a:r>
+            <a:r>
+              <a:rPr lang="sv-SE" sz="1050" dirty="0">
+                <a:solidFill>
+                  <a:schemeClr val="bg1">
+                    <a:lumMod val="65000"/>
+                  </a:schemeClr>
+                </a:solidFill>
+                <a:hlinkClick r:id="rId3"/>
+              </a:rPr>
+              <a:t>http://www.asp.net/mvc/tutorials/older-versions/models-(data)/</a:t>
+            </a:r>
+            <a:r>
+              <a:rPr lang="sv-SE" sz="1050" dirty="0" smtClean="0">
+                <a:solidFill>
+                  <a:schemeClr val="bg1">
+                    <a:lumMod val="65000"/>
+                  </a:schemeClr>
+                </a:solidFill>
+                <a:hlinkClick r:id="rId3"/>
+              </a:rPr>
+              <a:t>performing-simple-validation-cs</a:t>
+            </a:r>
+            <a:r>
+              <a:rPr lang="sv-SE" sz="1050" dirty="0" smtClean="0">
+                <a:solidFill>
+                  <a:schemeClr val="bg1">
+                    <a:lumMod val="65000"/>
+                  </a:schemeClr>
+                </a:solidFill>
+              </a:rPr>
+              <a:t> finns flera ”gamla” exempel på hur validering kan implementeras.</a:t>
+            </a:r>
+            <a:endParaRPr lang="sv-SE" sz="1800" dirty="0" smtClean="0">
+              <a:solidFill>
+                <a:schemeClr val="bg1">
+                  <a:lumMod val="65000"/>
+                </a:schemeClr>
+              </a:solidFill>
+            </a:endParaRPr>
+          </a:p>
+        </p:txBody>
+      </p:sp>
+    </p:spTree>
   </p:cSld>
   <p:clrMapOvr>
     <a:masterClrMapping/>
@@ -11181,75 +11383,22 @@
       </p:grpSpPr>
       <p:pic>
         <p:nvPicPr>
-          <p:cNvPr id="2054" name="Picture 6"/>
+          <p:cNvPr id="6" name="Bildobjekt 5"/>
           <p:cNvPicPr>
-            <a:picLocks noChangeAspect="1" noChangeArrowheads="1"/>
+            <a:picLocks noChangeAspect="1"/>
           </p:cNvPicPr>
           <p:nvPr/>
         </p:nvPicPr>
         <p:blipFill>
-          <a:blip r:embed="rId2" cstate="print">
-            <a:duotone>
-              <a:schemeClr val="bg2">
-                <a:shade val="45000"/>
-                <a:satMod val="135000"/>
-              </a:schemeClr>
-              <a:prstClr val="white"/>
-            </a:duotone>
-          </a:blip>
-          <a:srcRect/>
+          <a:blip r:embed="rId2"/>
           <a:stretch>
             <a:fillRect/>
           </a:stretch>
         </p:blipFill>
-        <p:spPr bwMode="auto">
-          <a:xfrm rot="824276">
-            <a:off x="4500299" y="1046280"/>
-            <a:ext cx="5160001" cy="3266666"/>
-          </a:xfrm>
-          <a:prstGeom prst="rect">
-            <a:avLst/>
-          </a:prstGeom>
-          <a:noFill/>
-          <a:ln w="9525">
-            <a:noFill/>
-            <a:miter lim="800000"/>
-            <a:headEnd/>
-            <a:tailEnd/>
-          </a:ln>
-          <a:scene3d>
-            <a:camera prst="orthographicFront">
-              <a:rot lat="0" lon="0" rev="360000"/>
-            </a:camera>
-            <a:lightRig rig="threePt" dir="t"/>
-          </a:scene3d>
-        </p:spPr>
-      </p:pic>
-      <p:pic>
-        <p:nvPicPr>
-          <p:cNvPr id="1027" name="Picture 3"/>
-          <p:cNvPicPr>
-            <a:picLocks noChangeAspect="1" noChangeArrowheads="1"/>
-          </p:cNvPicPr>
-          <p:nvPr/>
-        </p:nvPicPr>
-        <p:blipFill>
-          <a:blip r:embed="rId3">
-            <a:extLst>
-              <a:ext uri="{28A0092B-C50C-407E-A947-70E740481C1C}">
-                <a14:useLocalDpi xmlns:a14="http://schemas.microsoft.com/office/drawing/2010/main" val="0"/>
-              </a:ext>
-            </a:extLst>
-          </a:blip>
-          <a:srcRect/>
-          <a:stretch>
-            <a:fillRect/>
-          </a:stretch>
-        </p:blipFill>
-        <p:spPr bwMode="auto">
-          <a:xfrm rot="669951">
-            <a:off x="4302666" y="3592021"/>
-            <a:ext cx="3246667" cy="1520000"/>
+        <p:spPr>
+          <a:xfrm>
+            <a:off x="827237" y="1543855"/>
+            <a:ext cx="3240000" cy="3973333"/>
           </a:xfrm>
           <a:prstGeom prst="rect">
             <a:avLst/>
@@ -11286,24 +11435,25 @@
               <a:srgbClr val="969696"/>
             </a:contourClr>
           </a:sp3d>
-          <a:extLst/>
         </p:spPr>
       </p:pic>
       <p:pic>
         <p:nvPicPr>
-          <p:cNvPr id="1026" name="Picture 2"/>
+          <p:cNvPr id="2054" name="Picture 6"/>
           <p:cNvPicPr>
             <a:picLocks noChangeAspect="1" noChangeArrowheads="1"/>
           </p:cNvPicPr>
           <p:nvPr/>
         </p:nvPicPr>
         <p:blipFill>
-          <a:blip r:embed="rId4">
-            <a:extLst>
-              <a:ext uri="{28A0092B-C50C-407E-A947-70E740481C1C}">
-                <a14:useLocalDpi xmlns:a14="http://schemas.microsoft.com/office/drawing/2010/main" val="0"/>
-              </a:ext>
-            </a:extLst>
+          <a:blip r:embed="rId3" cstate="print">
+            <a:duotone>
+              <a:schemeClr val="bg2">
+                <a:shade val="45000"/>
+                <a:satMod val="135000"/>
+              </a:schemeClr>
+              <a:prstClr val="white"/>
+            </a:duotone>
           </a:blip>
           <a:srcRect/>
           <a:stretch>
@@ -11311,9 +11461,46 @@
           </a:stretch>
         </p:blipFill>
         <p:spPr bwMode="auto">
-          <a:xfrm>
-            <a:off x="760399" y="1576267"/>
-            <a:ext cx="2826667" cy="3340000"/>
+          <a:xfrm rot="824276">
+            <a:off x="4500299" y="1046280"/>
+            <a:ext cx="5160001" cy="3266666"/>
+          </a:xfrm>
+          <a:prstGeom prst="rect">
+            <a:avLst/>
+          </a:prstGeom>
+          <a:noFill/>
+          <a:ln w="9525">
+            <a:noFill/>
+            <a:miter lim="800000"/>
+            <a:headEnd/>
+            <a:tailEnd/>
+          </a:ln>
+          <a:scene3d>
+            <a:camera prst="orthographicFront">
+              <a:rot lat="0" lon="0" rev="360000"/>
+            </a:camera>
+            <a:lightRig rig="threePt" dir="t"/>
+          </a:scene3d>
+        </p:spPr>
+      </p:pic>
+      <p:pic>
+        <p:nvPicPr>
+          <p:cNvPr id="7" name="Bildobjekt 6"/>
+          <p:cNvPicPr>
+            <a:picLocks noChangeAspect="1"/>
+          </p:cNvPicPr>
+          <p:nvPr/>
+        </p:nvPicPr>
+        <p:blipFill>
+          <a:blip r:embed="rId4"/>
+          <a:stretch>
+            <a:fillRect/>
+          </a:stretch>
+        </p:blipFill>
+        <p:spPr>
+          <a:xfrm rot="660000">
+            <a:off x="4299852" y="3595719"/>
+            <a:ext cx="3246667" cy="1626666"/>
           </a:xfrm>
           <a:prstGeom prst="rect">
             <a:avLst/>
@@ -11350,7 +11537,6 @@
               <a:srgbClr val="969696"/>
             </a:contourClr>
           </a:sp3d>
-          <a:extLst/>
         </p:spPr>
       </p:pic>
       <p:sp>
@@ -11407,7 +11593,7 @@
         </p:nvSpPr>
         <p:spPr bwMode="auto">
           <a:xfrm>
-            <a:off x="2053134" y="3411711"/>
+            <a:off x="2341267" y="3807474"/>
             <a:ext cx="331006" cy="113488"/>
           </a:xfrm>
           <a:prstGeom prst="ellipse">
@@ -11489,7 +11675,7 @@
         </p:nvSpPr>
         <p:spPr bwMode="auto">
           <a:xfrm>
-            <a:off x="2053134" y="4002052"/>
+            <a:off x="2341267" y="4397815"/>
             <a:ext cx="827634" cy="155236"/>
           </a:xfrm>
           <a:prstGeom prst="ellipse">
@@ -11571,7 +11757,7 @@
         </p:nvSpPr>
         <p:spPr bwMode="auto">
           <a:xfrm rot="660000">
-            <a:off x="5713298" y="4320692"/>
+            <a:off x="5713298" y="4429060"/>
             <a:ext cx="351866" cy="162660"/>
           </a:xfrm>
           <a:prstGeom prst="ellipse">
@@ -11653,7 +11839,7 @@
         </p:nvSpPr>
         <p:spPr bwMode="auto">
           <a:xfrm rot="660000">
-            <a:off x="6570360" y="4491770"/>
+            <a:off x="6570360" y="4600138"/>
             <a:ext cx="764082" cy="181140"/>
           </a:xfrm>
           <a:prstGeom prst="ellipse">
@@ -11738,8 +11924,8 @@
         </p:nvCxnSpPr>
         <p:spPr bwMode="auto">
           <a:xfrm>
-            <a:off x="2384140" y="3468455"/>
-            <a:ext cx="3520609" cy="853731"/>
+            <a:off x="2672273" y="3864218"/>
+            <a:ext cx="3232476" cy="566336"/>
           </a:xfrm>
           <a:prstGeom prst="curvedConnector2">
             <a:avLst/>
@@ -11775,12 +11961,12 @@
         </p:nvCxnSpPr>
         <p:spPr bwMode="auto">
           <a:xfrm rot="16200000" flipH="1">
-            <a:off x="4444056" y="2180183"/>
-            <a:ext cx="513958" cy="4468168"/>
+            <a:off x="4731820" y="2576314"/>
+            <a:ext cx="226563" cy="4180035"/>
           </a:xfrm>
           <a:prstGeom prst="curvedConnector3">
             <a:avLst>
-              <a:gd name="adj1" fmla="val 144802"/>
+              <a:gd name="adj1" fmla="val 201634"/>
             </a:avLst>
           </a:prstGeom>
           <a:ln>
@@ -11811,7 +11997,7 @@
         </p:nvSpPr>
         <p:spPr bwMode="auto">
           <a:xfrm rot="20775508">
-            <a:off x="7167497" y="4121675"/>
+            <a:off x="7316513" y="4175861"/>
             <a:ext cx="1115440" cy="402562"/>
           </a:xfrm>
           <a:prstGeom prst="leftArrowCallout">
@@ -11952,9 +12138,125 @@
           </a:scene3d>
         </p:spPr>
       </p:pic>
+      <p:sp>
+        <p:nvSpPr>
+          <p:cNvPr id="45" name="Bildtext vänster 44"/>
+          <p:cNvSpPr/>
+          <p:nvPr/>
+        </p:nvSpPr>
+        <p:spPr bwMode="auto">
+          <a:xfrm rot="258272">
+            <a:off x="6081022" y="2795205"/>
+            <a:ext cx="2102710" cy="586953"/>
+          </a:xfrm>
+          <a:prstGeom prst="leftArrowCallout">
+            <a:avLst>
+              <a:gd name="adj1" fmla="val 25000"/>
+              <a:gd name="adj2" fmla="val 25000"/>
+              <a:gd name="adj3" fmla="val 25000"/>
+              <a:gd name="adj4" fmla="val 86904"/>
+            </a:avLst>
+          </a:prstGeom>
+          <a:solidFill>
+            <a:schemeClr val="accent6">
+              <a:lumMod val="20000"/>
+              <a:lumOff val="80000"/>
+            </a:schemeClr>
+          </a:solidFill>
+          <a:ln w="9525" cap="flat" cmpd="sng" algn="ctr">
+            <a:solidFill>
+              <a:schemeClr val="bg1">
+                <a:lumMod val="75000"/>
+              </a:schemeClr>
+            </a:solidFill>
+            <a:prstDash val="solid"/>
+            <a:round/>
+            <a:headEnd type="none" w="med" len="med"/>
+            <a:tailEnd type="none" w="med" len="med"/>
+          </a:ln>
+          <a:effectLst>
+            <a:outerShdw blurRad="50800" dist="38100" dir="2700000" algn="tl" rotWithShape="0">
+              <a:prstClr val="black">
+                <a:alpha val="40000"/>
+              </a:prstClr>
+            </a:outerShdw>
+          </a:effectLst>
+        </p:spPr>
+        <p:txBody>
+          <a:bodyPr vert="horz" wrap="square" lIns="36000" tIns="36000" rIns="36000" bIns="36000" numCol="1" rtlCol="0" anchor="ctr" anchorCtr="1" compatLnSpc="1">
+            <a:prstTxWarp prst="textNoShape">
+              <a:avLst/>
+            </a:prstTxWarp>
+          </a:bodyPr>
+          <a:lstStyle/>
+          <a:p>
+            <a:pPr algn="ctr"/>
+            <a:r>
+              <a:rPr lang="sv-SE" sz="1000" b="1" dirty="0" err="1" smtClean="0">
+                <a:solidFill>
+                  <a:schemeClr val="bg1">
+                    <a:lumMod val="50000"/>
+                  </a:schemeClr>
+                </a:solidFill>
+                <a:latin typeface="Times New Roman" pitchFamily="18" charset="0"/>
+                <a:cs typeface="Times New Roman" pitchFamily="18" charset="0"/>
+              </a:rPr>
+              <a:t>Ooops</a:t>
+            </a:r>
+            <a:r>
+              <a:rPr lang="sv-SE" sz="1000" b="1" dirty="0" smtClean="0">
+                <a:solidFill>
+                  <a:schemeClr val="bg1">
+                    <a:lumMod val="50000"/>
+                  </a:schemeClr>
+                </a:solidFill>
+                <a:latin typeface="Times New Roman" pitchFamily="18" charset="0"/>
+                <a:cs typeface="Times New Roman" pitchFamily="18" charset="0"/>
+              </a:rPr>
+              <a:t>!</a:t>
+            </a:r>
+            <a:r>
+              <a:rPr lang="sv-SE" sz="1000" dirty="0" smtClean="0">
+                <a:solidFill>
+                  <a:schemeClr val="bg1">
+                    <a:lumMod val="50000"/>
+                  </a:schemeClr>
+                </a:solidFill>
+                <a:latin typeface="Times New Roman" pitchFamily="18" charset="0"/>
+                <a:cs typeface="Times New Roman" pitchFamily="18" charset="0"/>
+              </a:rPr>
+              <a:t> </a:t>
+            </a:r>
+            <a:r>
+              <a:rPr lang="sv-SE" sz="900" dirty="0" smtClean="0">
+                <a:solidFill>
+                  <a:schemeClr val="bg1">
+                    <a:lumMod val="50000"/>
+                  </a:schemeClr>
+                </a:solidFill>
+                <a:latin typeface="Courier New" pitchFamily="49" charset="0"/>
+                <a:cs typeface="Courier New" pitchFamily="49" charset="0"/>
+              </a:rPr>
+              <a:t>HTML.LabelFor</a:t>
+            </a:r>
+            <a:r>
+              <a:rPr lang="sv-SE" sz="1000" dirty="0" smtClean="0">
+                <a:solidFill>
+                  <a:schemeClr val="bg1">
+                    <a:lumMod val="50000"/>
+                  </a:schemeClr>
+                </a:solidFill>
+                <a:latin typeface="Times New Roman" pitchFamily="18" charset="0"/>
+                <a:cs typeface="Times New Roman" pitchFamily="18" charset="0"/>
+              </a:rPr>
+              <a:t> använder namnet på egenskapen.</a:t>
+            </a:r>
+          </a:p>
+        </p:txBody>
+      </p:sp>
       <p:pic>
         <p:nvPicPr>
-          <p:cNvPr id="2054" name="Picture 6"/>
+          <p:cNvPr id="1026" name="Picture 2" descr="C:\Users\mats\AppData\Local\Temp\SNAGHTMLe34eac.PNG"/>
           <p:cNvPicPr>
             <a:picLocks noChangeAspect="1" noChangeArrowheads="1"/>
           </p:cNvPicPr>
@@ -11974,9 +12276,9 @@
           </a:stretch>
         </p:blipFill>
         <p:spPr bwMode="auto">
-          <a:xfrm rot="21172944">
-            <a:off x="-127609" y="3542189"/>
-            <a:ext cx="7257143" cy="2457143"/>
+          <a:xfrm rot="21180000">
+            <a:off x="88642" y="3534641"/>
+            <a:ext cx="15725714" cy="3142858"/>
           </a:xfrm>
           <a:prstGeom prst="rect">
             <a:avLst/>
@@ -11995,29 +12297,22 @@
       </p:pic>
       <p:pic>
         <p:nvPicPr>
-          <p:cNvPr id="2050" name="Picture 2"/>
+          <p:cNvPr id="4" name="Bildobjekt 3"/>
           <p:cNvPicPr>
-            <a:picLocks noChangeAspect="1" noChangeArrowheads="1"/>
+            <a:picLocks noChangeAspect="1"/>
           </p:cNvPicPr>
           <p:nvPr/>
         </p:nvPicPr>
         <p:blipFill>
-          <a:blip r:embed="rId4">
-            <a:extLst>
-              <a:ext uri="{28A0092B-C50C-407E-A947-70E740481C1C}">
-                <a14:useLocalDpi xmlns:a14="http://schemas.microsoft.com/office/drawing/2010/main" val="0"/>
-              </a:ext>
-            </a:extLst>
-          </a:blip>
-          <a:srcRect/>
+          <a:blip r:embed="rId4"/>
           <a:stretch>
             <a:fillRect/>
           </a:stretch>
         </p:blipFill>
-        <p:spPr bwMode="auto">
+        <p:spPr>
           <a:xfrm>
             <a:off x="2114283" y="2077266"/>
-            <a:ext cx="2606667" cy="2300001"/>
+            <a:ext cx="2560000" cy="2400000"/>
           </a:xfrm>
           <a:prstGeom prst="rect">
             <a:avLst/>
@@ -12054,7 +12349,6 @@
               <a:srgbClr val="969696"/>
             </a:contourClr>
           </a:sp3d>
-          <a:extLst/>
         </p:spPr>
       </p:pic>
       <p:sp>
@@ -12213,13 +12507,13 @@
       </p:sp>
       <p:sp>
         <p:nvSpPr>
-          <p:cNvPr id="45" name="Bildtext vänster 44"/>
+          <p:cNvPr id="46" name="Bildtext vänster 45"/>
           <p:cNvSpPr/>
           <p:nvPr/>
         </p:nvSpPr>
         <p:spPr bwMode="auto">
-          <a:xfrm rot="258272">
-            <a:off x="6081022" y="2795205"/>
+          <a:xfrm rot="341277">
+            <a:off x="4935358" y="5025292"/>
             <a:ext cx="2102710" cy="586953"/>
           </a:xfrm>
           <a:prstGeom prst="leftArrowCallout">
@@ -12231,126 +12525,7 @@
             </a:avLst>
           </a:prstGeom>
           <a:solidFill>
-            <a:schemeClr val="accent6">
-              <a:lumMod val="20000"/>
-              <a:lumOff val="80000"/>
-            </a:schemeClr>
-          </a:solidFill>
-          <a:ln w="9525" cap="flat" cmpd="sng" algn="ctr">
-            <a:solidFill>
-              <a:schemeClr val="bg1">
-                <a:lumMod val="75000"/>
-              </a:schemeClr>
-            </a:solidFill>
-            <a:prstDash val="solid"/>
-            <a:round/>
-            <a:headEnd type="none" w="med" len="med"/>
-            <a:tailEnd type="none" w="med" len="med"/>
-          </a:ln>
-          <a:effectLst>
-            <a:outerShdw blurRad="50800" dist="38100" dir="2700000" algn="tl" rotWithShape="0">
-              <a:prstClr val="black">
-                <a:alpha val="40000"/>
-              </a:prstClr>
-            </a:outerShdw>
-          </a:effectLst>
-        </p:spPr>
-        <p:txBody>
-          <a:bodyPr vert="horz" wrap="square" lIns="36000" tIns="36000" rIns="36000" bIns="36000" numCol="1" rtlCol="0" anchor="ctr" anchorCtr="1" compatLnSpc="1">
-            <a:prstTxWarp prst="textNoShape">
-              <a:avLst/>
-            </a:prstTxWarp>
-          </a:bodyPr>
-          <a:lstStyle/>
-          <a:p>
-            <a:pPr algn="ctr"/>
-            <a:r>
-              <a:rPr lang="sv-SE" sz="1000" b="1" dirty="0" err="1" smtClean="0">
-                <a:solidFill>
-                  <a:schemeClr val="bg1">
-                    <a:lumMod val="50000"/>
-                  </a:schemeClr>
-                </a:solidFill>
-                <a:latin typeface="Times New Roman" pitchFamily="18" charset="0"/>
-                <a:cs typeface="Times New Roman" pitchFamily="18" charset="0"/>
-              </a:rPr>
-              <a:t>Ooops</a:t>
-            </a:r>
-            <a:r>
-              <a:rPr lang="sv-SE" sz="1000" b="1" dirty="0" smtClean="0">
-                <a:solidFill>
-                  <a:schemeClr val="bg1">
-                    <a:lumMod val="50000"/>
-                  </a:schemeClr>
-                </a:solidFill>
-                <a:latin typeface="Times New Roman" pitchFamily="18" charset="0"/>
-                <a:cs typeface="Times New Roman" pitchFamily="18" charset="0"/>
-              </a:rPr>
-              <a:t>!</a:t>
-            </a:r>
-            <a:r>
-              <a:rPr lang="sv-SE" sz="1000" dirty="0" smtClean="0">
-                <a:solidFill>
-                  <a:schemeClr val="bg1">
-                    <a:lumMod val="50000"/>
-                  </a:schemeClr>
-                </a:solidFill>
-                <a:latin typeface="Times New Roman" pitchFamily="18" charset="0"/>
-                <a:cs typeface="Times New Roman" pitchFamily="18" charset="0"/>
-              </a:rPr>
-              <a:t> </a:t>
-            </a:r>
-            <a:r>
-              <a:rPr lang="sv-SE" sz="900" dirty="0" smtClean="0">
-                <a:solidFill>
-                  <a:schemeClr val="bg1">
-                    <a:lumMod val="50000"/>
-                  </a:schemeClr>
-                </a:solidFill>
-                <a:latin typeface="Courier New" pitchFamily="49" charset="0"/>
-                <a:cs typeface="Courier New" pitchFamily="49" charset="0"/>
-              </a:rPr>
-              <a:t>HTML.LabelFor</a:t>
-            </a:r>
-            <a:r>
-              <a:rPr lang="sv-SE" sz="1000" dirty="0" smtClean="0">
-                <a:solidFill>
-                  <a:schemeClr val="bg1">
-                    <a:lumMod val="50000"/>
-                  </a:schemeClr>
-                </a:solidFill>
-                <a:latin typeface="Times New Roman" pitchFamily="18" charset="0"/>
-                <a:cs typeface="Times New Roman" pitchFamily="18" charset="0"/>
-              </a:rPr>
-              <a:t> använder namnet på egenskapen.</a:t>
-            </a:r>
-          </a:p>
-        </p:txBody>
-      </p:sp>
-      <p:sp>
-        <p:nvSpPr>
-          <p:cNvPr id="46" name="Bildtext vänster 45"/>
-          <p:cNvSpPr/>
-          <p:nvPr/>
-        </p:nvSpPr>
-        <p:spPr bwMode="auto">
-          <a:xfrm rot="341277">
-            <a:off x="4744859" y="4926887"/>
-            <a:ext cx="2102710" cy="586953"/>
-          </a:xfrm>
-          <a:prstGeom prst="leftArrowCallout">
-            <a:avLst>
-              <a:gd name="adj1" fmla="val 25000"/>
-              <a:gd name="adj2" fmla="val 25000"/>
-              <a:gd name="adj3" fmla="val 25000"/>
-              <a:gd name="adj4" fmla="val 86904"/>
-            </a:avLst>
-          </a:prstGeom>
-          <a:solidFill>
-            <a:schemeClr val="accent5">
-              <a:lumMod val="20000"/>
-              <a:lumOff val="80000"/>
-            </a:schemeClr>
+            <a:srgbClr val="F8FBCB"/>
           </a:solidFill>
           <a:ln w="9525" cap="flat" cmpd="sng" algn="ctr">
             <a:solidFill>
@@ -12789,134 +12964,22 @@
       </p:grpSpPr>
       <p:pic>
         <p:nvPicPr>
-          <p:cNvPr id="17" name="Picture 4"/>
+          <p:cNvPr id="4" name="Bildobjekt 3"/>
           <p:cNvPicPr>
-            <a:picLocks noChangeAspect="1" noChangeArrowheads="1"/>
+            <a:picLocks noChangeAspect="1"/>
           </p:cNvPicPr>
           <p:nvPr/>
         </p:nvPicPr>
         <p:blipFill>
-          <a:blip r:embed="rId2" cstate="print">
-            <a:duotone>
-              <a:schemeClr val="bg2">
-                <a:shade val="45000"/>
-                <a:satMod val="135000"/>
-              </a:schemeClr>
-              <a:prstClr val="white"/>
-            </a:duotone>
-          </a:blip>
+          <a:blip r:embed="rId2"/>
           <a:stretch>
             <a:fillRect/>
           </a:stretch>
         </p:blipFill>
-        <p:spPr bwMode="auto">
-          <a:xfrm rot="687095">
-            <a:off x="5740833" y="1930141"/>
-            <a:ext cx="4638096" cy="2019048"/>
-          </a:xfrm>
-          <a:prstGeom prst="rect">
-            <a:avLst/>
-          </a:prstGeom>
-          <a:noFill/>
-          <a:ln>
-            <a:noFill/>
-          </a:ln>
-        </p:spPr>
-      </p:pic>
-      <p:sp>
-        <p:nvSpPr>
-          <p:cNvPr id="18" name="Förbudstecken 17"/>
-          <p:cNvSpPr/>
-          <p:nvPr/>
-        </p:nvSpPr>
-        <p:spPr bwMode="auto">
+        <p:spPr>
           <a:xfrm>
-            <a:off x="6674338" y="2180492"/>
-            <a:ext cx="1609970" cy="1609970"/>
-          </a:xfrm>
-          <a:prstGeom prst="noSmoking">
-            <a:avLst/>
-          </a:prstGeom>
-          <a:solidFill>
-            <a:srgbClr val="EAEAEA">
-              <a:alpha val="30196"/>
-            </a:srgbClr>
-          </a:solidFill>
-          <a:ln>
-            <a:headEnd type="none" w="med" len="med"/>
-            <a:tailEnd type="none" w="med" len="med"/>
-          </a:ln>
-        </p:spPr>
-        <p:style>
-          <a:lnRef idx="0">
-            <a:schemeClr val="accent2"/>
-          </a:lnRef>
-          <a:fillRef idx="3">
-            <a:schemeClr val="accent2"/>
-          </a:fillRef>
-          <a:effectRef idx="3">
-            <a:schemeClr val="accent2"/>
-          </a:effectRef>
-          <a:fontRef idx="minor">
-            <a:schemeClr val="lt1"/>
-          </a:fontRef>
-        </p:style>
-        <p:txBody>
-          <a:bodyPr vert="horz" wrap="square" lIns="90488" tIns="44450" rIns="90488" bIns="44450" numCol="1" rtlCol="0" anchor="t" anchorCtr="0" compatLnSpc="1">
-            <a:prstTxWarp prst="textNoShape">
-              <a:avLst/>
-            </a:prstTxWarp>
-          </a:bodyPr>
-          <a:lstStyle/>
-          <a:p>
-            <a:pPr marL="0" marR="0" indent="0" algn="l" defTabSz="914400" rtl="0" eaLnBrk="1" fontAlgn="base" latinLnBrk="0" hangingPunct="1">
-              <a:lnSpc>
-                <a:spcPct val="100000"/>
-              </a:lnSpc>
-              <a:spcBef>
-                <a:spcPct val="0"/>
-              </a:spcBef>
-              <a:spcAft>
-                <a:spcPct val="0"/>
-              </a:spcAft>
-              <a:buClrTx/>
-              <a:buSzTx/>
-              <a:buFontTx/>
-              <a:buNone/>
-              <a:tabLst/>
-            </a:pPr>
-            <a:endParaRPr kumimoji="0" lang="sv-SE" sz="1800" b="0" i="0" u="none" strike="noStrike" cap="none" normalizeH="0" baseline="0" smtClean="0">
-              <a:ln>
-                <a:noFill/>
-              </a:ln>
-              <a:solidFill>
-                <a:schemeClr val="tx1"/>
-              </a:solidFill>
-              <a:effectLst/>
-              <a:latin typeface="Arial" charset="0"/>
-            </a:endParaRPr>
-          </a:p>
-        </p:txBody>
-      </p:sp>
-      <p:pic>
-        <p:nvPicPr>
-          <p:cNvPr id="22531" name="Picture 3"/>
-          <p:cNvPicPr>
-            <a:picLocks noChangeAspect="1" noChangeArrowheads="1"/>
-          </p:cNvPicPr>
-          <p:nvPr/>
-        </p:nvPicPr>
-        <p:blipFill>
-          <a:blip r:embed="rId3" cstate="print"/>
-          <a:srcRect/>
-          <a:stretch>
-            <a:fillRect/>
-          </a:stretch>
-        </p:blipFill>
-        <p:spPr bwMode="auto">
-          <a:xfrm>
-            <a:off x="674913" y="2174342"/>
-            <a:ext cx="5181600" cy="2457450"/>
+            <a:off x="408913" y="2368657"/>
+            <a:ext cx="4420000" cy="2040000"/>
           </a:xfrm>
           <a:prstGeom prst="rect">
             <a:avLst/>
@@ -12957,6 +13020,117 @@
       </p:pic>
       <p:pic>
         <p:nvPicPr>
+          <p:cNvPr id="17" name="Picture 4"/>
+          <p:cNvPicPr>
+            <a:picLocks noChangeAspect="1" noChangeArrowheads="1"/>
+          </p:cNvPicPr>
+          <p:nvPr/>
+        </p:nvPicPr>
+        <p:blipFill>
+          <a:blip r:embed="rId3" cstate="print">
+            <a:duotone>
+              <a:schemeClr val="bg2">
+                <a:shade val="45000"/>
+                <a:satMod val="135000"/>
+              </a:schemeClr>
+              <a:prstClr val="white"/>
+            </a:duotone>
+          </a:blip>
+          <a:stretch>
+            <a:fillRect/>
+          </a:stretch>
+        </p:blipFill>
+        <p:spPr bwMode="auto">
+          <a:xfrm rot="687095">
+            <a:off x="5814813" y="2157029"/>
+            <a:ext cx="3246667" cy="1413334"/>
+          </a:xfrm>
+          <a:prstGeom prst="rect">
+            <a:avLst/>
+          </a:prstGeom>
+          <a:noFill/>
+          <a:ln>
+            <a:noFill/>
+          </a:ln>
+        </p:spPr>
+      </p:pic>
+      <p:sp>
+        <p:nvSpPr>
+          <p:cNvPr id="18" name="Förbudstecken 17"/>
+          <p:cNvSpPr/>
+          <p:nvPr/>
+        </p:nvSpPr>
+        <p:spPr bwMode="auto">
+          <a:xfrm>
+            <a:off x="6547582" y="2378857"/>
+            <a:ext cx="1126979" cy="1126979"/>
+          </a:xfrm>
+          <a:prstGeom prst="noSmoking">
+            <a:avLst/>
+          </a:prstGeom>
+          <a:solidFill>
+            <a:srgbClr val="EAEAEA">
+              <a:alpha val="30196"/>
+            </a:srgbClr>
+          </a:solidFill>
+          <a:ln>
+            <a:headEnd type="none" w="med" len="med"/>
+            <a:tailEnd type="none" w="med" len="med"/>
+          </a:ln>
+        </p:spPr>
+        <p:style>
+          <a:lnRef idx="0">
+            <a:schemeClr val="accent2"/>
+          </a:lnRef>
+          <a:fillRef idx="3">
+            <a:schemeClr val="accent2"/>
+          </a:fillRef>
+          <a:effectRef idx="3">
+            <a:schemeClr val="accent2"/>
+          </a:effectRef>
+          <a:fontRef idx="minor">
+            <a:schemeClr val="lt1"/>
+          </a:fontRef>
+        </p:style>
+        <p:txBody>
+          <a:bodyPr vert="horz" wrap="square" lIns="90488" tIns="44450" rIns="90488" bIns="44450" numCol="1" rtlCol="0" anchor="t" anchorCtr="0" compatLnSpc="1">
+            <a:prstTxWarp prst="textNoShape">
+              <a:avLst/>
+            </a:prstTxWarp>
+          </a:bodyPr>
+          <a:lstStyle/>
+          <a:p>
+            <a:pPr marL="0" marR="0" indent="0" algn="l" defTabSz="914400" rtl="0" eaLnBrk="1" fontAlgn="base" latinLnBrk="0" hangingPunct="1">
+              <a:lnSpc>
+                <a:spcPct val="100000"/>
+              </a:lnSpc>
+              <a:spcBef>
+                <a:spcPct val="0"/>
+              </a:spcBef>
+              <a:spcAft>
+                <a:spcPct val="0"/>
+              </a:spcAft>
+              <a:buClrTx/>
+              <a:buSzTx/>
+              <a:buFontTx/>
+              <a:buNone/>
+              <a:tabLst/>
+            </a:pPr>
+            <a:endParaRPr kumimoji="0" lang="sv-SE" sz="1800" b="0" i="0" u="none" strike="noStrike" cap="none" normalizeH="0" baseline="0" smtClean="0">
+              <a:ln>
+                <a:noFill/>
+              </a:ln>
+              <a:solidFill>
+                <a:schemeClr val="tx1"/>
+              </a:solidFill>
+              <a:effectLst/>
+              <a:latin typeface="Arial" charset="0"/>
+            </a:endParaRPr>
+          </a:p>
+        </p:txBody>
+      </p:sp>
+      <p:pic>
+        <p:nvPicPr>
           <p:cNvPr id="4098" name="Picture 2"/>
           <p:cNvPicPr>
             <a:picLocks noChangeAspect="1" noChangeArrowheads="1"/>
@@ -12978,8 +13152,8 @@
         </p:blipFill>
         <p:spPr bwMode="auto">
           <a:xfrm rot="660000">
-            <a:off x="4507435" y="3274667"/>
-            <a:ext cx="4238625" cy="2019300"/>
+            <a:off x="4507464" y="3274619"/>
+            <a:ext cx="4238095" cy="2019048"/>
           </a:xfrm>
           <a:prstGeom prst="rect">
             <a:avLst/>
@@ -13065,7 +13239,7 @@
           <a:p>
             <a:r>
               <a:rPr lang="sv-SE" dirty="0" smtClean="0"/>
-              <a:t>Formulärdata kan automatiskt bindas till parametrar i en metod.</a:t>
+              <a:t>Formulärdata binds automatiskt till parametrar i en metod.</a:t>
             </a:r>
             <a:endParaRPr lang="sv-SE" dirty="0"/>
           </a:p>
@@ -13079,8 +13253,8 @@
         </p:nvSpPr>
         <p:spPr bwMode="auto">
           <a:xfrm>
-            <a:off x="2189949" y="3112032"/>
-            <a:ext cx="806823" cy="276625"/>
+            <a:off x="2975785" y="2888834"/>
+            <a:ext cx="603615" cy="213936"/>
           </a:xfrm>
           <a:prstGeom prst="ellipse">
             <a:avLst/>
@@ -13161,8 +13335,8 @@
         </p:nvSpPr>
         <p:spPr bwMode="auto">
           <a:xfrm rot="300000">
-            <a:off x="6776075" y="3555594"/>
-            <a:ext cx="598395" cy="276625"/>
+            <a:off x="6873283" y="3620118"/>
+            <a:ext cx="432596" cy="212463"/>
           </a:xfrm>
           <a:prstGeom prst="ellipse">
             <a:avLst/>
@@ -13246,8 +13420,8 @@
         </p:nvCxnSpPr>
         <p:spPr bwMode="auto">
           <a:xfrm>
-            <a:off x="2996772" y="3250345"/>
-            <a:ext cx="3876265" cy="327693"/>
+            <a:off x="3579400" y="2995802"/>
+            <a:ext cx="3364364" cy="642386"/>
           </a:xfrm>
           <a:prstGeom prst="curvedConnector2">
             <a:avLst/>
@@ -13280,8 +13454,8 @@
         </p:nvSpPr>
         <p:spPr bwMode="auto">
           <a:xfrm>
-            <a:off x="2572870" y="3802314"/>
-            <a:ext cx="1184622" cy="276625"/>
+            <a:off x="3295650" y="3473731"/>
+            <a:ext cx="824431" cy="242620"/>
           </a:xfrm>
           <a:prstGeom prst="ellipse">
             <a:avLst/>
@@ -13362,8 +13536,8 @@
         </p:nvSpPr>
         <p:spPr bwMode="auto">
           <a:xfrm rot="300000">
-            <a:off x="7911818" y="3659076"/>
-            <a:ext cx="710199" cy="276625"/>
+            <a:off x="7885277" y="3705392"/>
+            <a:ext cx="722189" cy="212319"/>
           </a:xfrm>
           <a:prstGeom prst="ellipse">
             <a:avLst/>
@@ -13446,13 +13620,13 @@
           <p:nvPr/>
         </p:nvCxnSpPr>
         <p:spPr bwMode="auto">
-          <a:xfrm rot="5400000" flipH="1" flipV="1">
-            <a:off x="5867808" y="1651374"/>
-            <a:ext cx="103253" cy="4670855"/>
+          <a:xfrm rot="16200000" flipH="1">
+            <a:off x="5999990" y="1680176"/>
+            <a:ext cx="236487" cy="4237774"/>
           </a:xfrm>
           <a:prstGeom prst="curvedConnector3">
             <a:avLst>
-              <a:gd name="adj1" fmla="val -260633"/>
+              <a:gd name="adj1" fmla="val 196836"/>
             </a:avLst>
           </a:prstGeom>
           <a:ln>
@@ -13510,115 +13684,24 @@
           <a:chExt cx="0" cy="0"/>
         </a:xfrm>
       </p:grpSpPr>
-      <p:sp>
-        <p:nvSpPr>
-          <p:cNvPr id="3" name="Platshållare för innehåll 2"/>
-          <p:cNvSpPr>
-            <a:spLocks noGrp="1"/>
-          </p:cNvSpPr>
-          <p:nvPr>
-            <p:ph idx="1"/>
-          </p:nvPr>
-        </p:nvSpPr>
-        <p:spPr/>
-        <p:txBody>
-          <a:bodyPr/>
-          <a:lstStyle/>
-          <a:p>
-            <a:r>
-              <a:rPr lang="sv-SE" dirty="0" smtClean="0"/>
-              <a:t>Formulärdatat kan bindas till egna typer genom att </a:t>
-            </a:r>
-            <a:r>
-              <a:rPr lang="sv-SE" sz="1600" dirty="0" smtClean="0">
-                <a:latin typeface="Courier New" pitchFamily="49" charset="0"/>
-                <a:cs typeface="Courier New" pitchFamily="49" charset="0"/>
-              </a:rPr>
-              <a:t>DefaultModelBinder</a:t>
-            </a:r>
-            <a:r>
-              <a:rPr lang="sv-SE" dirty="0" smtClean="0"/>
-              <a:t>, komponenten som ansvarar för konverteringen av formulärdatat, undersöker vilka publika egenskaper typen har.</a:t>
-            </a:r>
-          </a:p>
-          <a:p>
-            <a:endParaRPr lang="sv-SE" dirty="0"/>
-          </a:p>
-        </p:txBody>
-      </p:sp>
       <p:pic>
         <p:nvPicPr>
-          <p:cNvPr id="1026" name="Picture 2"/>
+          <p:cNvPr id="16" name="Bildobjekt 15"/>
           <p:cNvPicPr>
-            <a:picLocks noChangeAspect="1" noChangeArrowheads="1"/>
+            <a:picLocks noChangeAspect="1"/>
           </p:cNvPicPr>
           <p:nvPr/>
         </p:nvPicPr>
         <p:blipFill>
-          <a:blip r:embed="rId2">
-            <a:extLst>
-              <a:ext uri="{28A0092B-C50C-407E-A947-70E740481C1C}">
-                <a14:useLocalDpi xmlns:a14="http://schemas.microsoft.com/office/drawing/2010/main" val="0"/>
-              </a:ext>
-            </a:extLst>
-          </a:blip>
-          <a:srcRect/>
+          <a:blip r:embed="rId2"/>
           <a:stretch>
             <a:fillRect/>
           </a:stretch>
         </p:blipFill>
-        <p:spPr bwMode="auto">
-          <a:xfrm rot="420000">
-            <a:off x="5620784" y="2146006"/>
-            <a:ext cx="2562225" cy="1752600"/>
-          </a:xfrm>
-          <a:prstGeom prst="rect">
-            <a:avLst/>
-          </a:prstGeom>
-          <a:noFill/>
-          <a:ln>
-            <a:noFill/>
-          </a:ln>
-          <a:extLst>
-            <a:ext uri="{909E8E84-426E-40DD-AFC4-6F175D3DCCD1}">
-              <a14:hiddenFill xmlns:a14="http://schemas.microsoft.com/office/drawing/2010/main">
-                <a:solidFill>
-                  <a:schemeClr val="accent1"/>
-                </a:solidFill>
-              </a14:hiddenFill>
-            </a:ext>
-            <a:ext uri="{91240B29-F687-4F45-9708-019B960494DF}">
-              <a14:hiddenLine xmlns:a14="http://schemas.microsoft.com/office/drawing/2010/main" w="9525">
-                <a:solidFill>
-                  <a:schemeClr val="tx1"/>
-                </a:solidFill>
-                <a:miter lim="800000"/>
-                <a:headEnd/>
-                <a:tailEnd/>
-              </a14:hiddenLine>
-            </a:ext>
-          </a:extLst>
-        </p:spPr>
-      </p:pic>
-      <p:pic>
-        <p:nvPicPr>
-          <p:cNvPr id="6" name="Picture 3"/>
-          <p:cNvPicPr>
-            <a:picLocks noChangeAspect="1" noChangeArrowheads="1"/>
-          </p:cNvPicPr>
-          <p:nvPr/>
-        </p:nvPicPr>
-        <p:blipFill>
-          <a:blip r:embed="rId3" cstate="print"/>
-          <a:srcRect/>
-          <a:stretch>
-            <a:fillRect/>
-          </a:stretch>
-        </p:blipFill>
-        <p:spPr bwMode="auto">
+        <p:spPr>
           <a:xfrm>
-            <a:off x="421340" y="1966873"/>
-            <a:ext cx="5181600" cy="2457450"/>
+            <a:off x="408913" y="2162917"/>
+            <a:ext cx="4420000" cy="2040000"/>
           </a:xfrm>
           <a:prstGeom prst="rect">
             <a:avLst/>
@@ -13655,6 +13738,96 @@
               <a:srgbClr val="969696"/>
             </a:contourClr>
           </a:sp3d>
+        </p:spPr>
+      </p:pic>
+      <p:sp>
+        <p:nvSpPr>
+          <p:cNvPr id="3" name="Platshållare för innehåll 2"/>
+          <p:cNvSpPr>
+            <a:spLocks noGrp="1"/>
+          </p:cNvSpPr>
+          <p:nvPr>
+            <p:ph idx="1"/>
+          </p:nvPr>
+        </p:nvSpPr>
+        <p:spPr/>
+        <p:txBody>
+          <a:bodyPr/>
+          <a:lstStyle/>
+          <a:p>
+            <a:r>
+              <a:rPr lang="sv-SE" dirty="0" smtClean="0"/>
+              <a:t>Formulärdatat kan bindas till egna typer genom att </a:t>
+            </a:r>
+            <a:r>
+              <a:rPr lang="sv-SE" sz="1600" dirty="0" smtClean="0">
+                <a:latin typeface="Courier New" pitchFamily="49" charset="0"/>
+                <a:cs typeface="Courier New" pitchFamily="49" charset="0"/>
+              </a:rPr>
+              <a:t>DefaultModelBinder</a:t>
+            </a:r>
+            <a:r>
+              <a:rPr lang="sv-SE" dirty="0" smtClean="0"/>
+              <a:t>, komponenten som ansvarar för konverteringen av formulärdatat, undersöker vilka publika egenskaper typen har.</a:t>
+            </a:r>
+          </a:p>
+          <a:p>
+            <a:endParaRPr lang="sv-SE" dirty="0"/>
+          </a:p>
+        </p:txBody>
+      </p:sp>
+      <p:pic>
+        <p:nvPicPr>
+          <p:cNvPr id="1026" name="Picture 2"/>
+          <p:cNvPicPr>
+            <a:picLocks noChangeAspect="1" noChangeArrowheads="1"/>
+          </p:cNvPicPr>
+          <p:nvPr/>
+        </p:nvPicPr>
+        <p:blipFill>
+          <a:blip r:embed="rId3">
+            <a:extLst>
+              <a:ext uri="{28A0092B-C50C-407E-A947-70E740481C1C}">
+                <a14:useLocalDpi xmlns:a14="http://schemas.microsoft.com/office/drawing/2010/main" val="0"/>
+              </a:ext>
+            </a:extLst>
+          </a:blip>
+          <a:srcRect/>
+          <a:stretch>
+            <a:fillRect/>
+          </a:stretch>
+        </p:blipFill>
+        <p:spPr bwMode="auto">
+          <a:xfrm rot="420000">
+            <a:off x="5620784" y="2146006"/>
+            <a:ext cx="2562225" cy="1752600"/>
+          </a:xfrm>
+          <a:prstGeom prst="rect">
+            <a:avLst/>
+          </a:prstGeom>
+          <a:noFill/>
+          <a:ln>
+            <a:noFill/>
+          </a:ln>
+          <a:extLst>
+            <a:ext uri="{909E8E84-426E-40DD-AFC4-6F175D3DCCD1}">
+              <a14:hiddenFill xmlns:a14="http://schemas.microsoft.com/office/drawing/2010/main">
+                <a:solidFill>
+                  <a:schemeClr val="accent1"/>
+                </a:solidFill>
+              </a14:hiddenFill>
+            </a:ext>
+            <a:ext uri="{91240B29-F687-4F45-9708-019B960494DF}">
+              <a14:hiddenLine xmlns:a14="http://schemas.microsoft.com/office/drawing/2010/main" w="9525">
+                <a:solidFill>
+                  <a:schemeClr val="tx1"/>
+                </a:solidFill>
+                <a:miter lim="800000"/>
+                <a:headEnd/>
+                <a:tailEnd/>
+              </a14:hiddenLine>
+            </a:ext>
+          </a:extLst>
         </p:spPr>
       </p:pic>
       <p:pic>
@@ -13752,8 +13925,8 @@
         </p:nvSpPr>
         <p:spPr bwMode="auto">
           <a:xfrm>
-            <a:off x="1951744" y="2896879"/>
-            <a:ext cx="806823" cy="276625"/>
+            <a:off x="3004616" y="2658262"/>
+            <a:ext cx="611984" cy="276625"/>
           </a:xfrm>
           <a:prstGeom prst="ellipse">
             <a:avLst/>
@@ -13834,8 +14007,8 @@
         </p:nvSpPr>
         <p:spPr bwMode="auto">
           <a:xfrm>
-            <a:off x="2357717" y="3594845"/>
-            <a:ext cx="1184622" cy="276625"/>
+            <a:off x="3218808" y="3233007"/>
+            <a:ext cx="1027144" cy="276625"/>
           </a:xfrm>
           <a:prstGeom prst="ellipse">
             <a:avLst/>
@@ -14247,8 +14420,8 @@
         </p:nvCxnSpPr>
         <p:spPr bwMode="auto">
           <a:xfrm>
-            <a:off x="2758567" y="3035192"/>
-            <a:ext cx="2997218" cy="342740"/>
+            <a:off x="3616600" y="2796575"/>
+            <a:ext cx="2139185" cy="581357"/>
           </a:xfrm>
           <a:prstGeom prst="curvedConnector3">
             <a:avLst>
@@ -14286,8 +14459,8 @@
         </p:nvCxnSpPr>
         <p:spPr bwMode="auto">
           <a:xfrm rot="5400000" flipH="1" flipV="1">
-            <a:off x="4279347" y="2105762"/>
-            <a:ext cx="619103" cy="2440086"/>
+            <a:off x="4823603" y="2288181"/>
+            <a:ext cx="257265" cy="1713411"/>
           </a:xfrm>
           <a:prstGeom prst="curvedConnector2">
             <a:avLst/>

--- a/Presentationsmaterial/Dokument/1.3 Modeller, datainmatning och validering.pptx
+++ b/Presentationsmaterial/Dokument/1.3 Modeller, datainmatning och validering.pptx
@@ -258,7 +258,7 @@
             <a:fld id="{0B3BAAB0-D539-4A20-AE97-450346457396}" type="datetimeFigureOut">
               <a:rPr lang="sv-SE" smtClean="0"/>
               <a:pPr/>
-              <a:t>2014-11-10</a:t>
+              <a:t>2014-11-12</a:t>
             </a:fld>
             <a:endParaRPr lang="sv-SE"/>
           </a:p>
@@ -8845,15 +8845,7 @@
           <a:p>
             <a:r>
               <a:rPr lang="sv-SE" dirty="0" smtClean="0"/>
-              <a:t>ASP.NET MVC </a:t>
-            </a:r>
-            <a:r>
-              <a:rPr lang="sv-SE" dirty="0" smtClean="0"/>
-              <a:t>5 </a:t>
-            </a:r>
-            <a:r>
-              <a:rPr lang="sv-SE" dirty="0" smtClean="0"/>
-              <a:t>använder sig av </a:t>
+              <a:t>ASP.NET MVC 5 använder sig av </a:t>
             </a:r>
             <a:r>
               <a:rPr lang="sv-SE" i="1" dirty="0" smtClean="0"/>
@@ -9151,18 +9143,18 @@
               <a:t> och överskugga </a:t>
             </a:r>
             <a:r>
-              <a:rPr lang="sv-SE" sz="1600" dirty="0">
+              <a:rPr lang="sv-SE" dirty="0"/>
+              <a:t>metoden</a:t>
+            </a:r>
+            <a:r>
+              <a:rPr lang="sv-SE" dirty="0" smtClean="0"/>
+              <a:t> </a:t>
+            </a:r>
+            <a:r>
+              <a:rPr lang="sv-SE" sz="1600" dirty="0" err="1">
                 <a:latin typeface="Courier New" pitchFamily="49" charset="0"/>
                 <a:cs typeface="Courier New" pitchFamily="49" charset="0"/>
               </a:rPr>
-              <a:t>metoden</a:t>
-            </a:r>
-            <a:r>
-              <a:rPr lang="sv-SE" dirty="0" smtClean="0"/>
-              <a:t> </a:t>
-            </a:r>
-            <a:r>
-              <a:rPr lang="sv-SE" dirty="0" err="1" smtClean="0"/>
               <a:t>IsValid</a:t>
             </a:r>
             <a:r>
@@ -9963,15 +9955,7 @@
           <a:p>
             <a:r>
               <a:rPr lang="sv-SE" sz="1800" dirty="0" smtClean="0"/>
-              <a:t>I kurslitteraturen kapitel </a:t>
-            </a:r>
-            <a:r>
-              <a:rPr lang="sv-SE" sz="1800" dirty="0" smtClean="0"/>
-              <a:t>22-25 </a:t>
-            </a:r>
-            <a:r>
-              <a:rPr lang="sv-SE" sz="1800" dirty="0" smtClean="0"/>
-              <a:t>hittar du mer information om </a:t>
+              <a:t>I kurslitteraturen kapitel 22-25 hittar du mer information om </a:t>
             </a:r>
             <a:r>
               <a:rPr lang="sv-SE" sz="1800" i="1" dirty="0" smtClean="0"/>
@@ -10021,15 +10005,7 @@
             </a:r>
             <a:r>
               <a:rPr lang="sv-SE" sz="1800" dirty="0" smtClean="0"/>
-              <a:t> </a:t>
-            </a:r>
-            <a:r>
-              <a:rPr lang="sv-SE" sz="1800" dirty="0" smtClean="0"/>
-              <a:t>finns </a:t>
-            </a:r>
-            <a:r>
-              <a:rPr lang="sv-SE" sz="1800" dirty="0" smtClean="0"/>
-              <a:t>exempel på validering. </a:t>
+              <a:t> finns exempel på validering. </a:t>
             </a:r>
             <a:r>
               <a:rPr lang="sv-SE" sz="1050" dirty="0">
